--- a/UIdesign_rmj.pptx
+++ b/UIdesign_rmj.pptx
@@ -12,9 +12,11 @@
     <p:sldId id="261" r:id="rId6"/>
     <p:sldId id="262" r:id="rId7"/>
     <p:sldId id="268" r:id="rId8"/>
-    <p:sldId id="263" r:id="rId9"/>
-    <p:sldId id="265" r:id="rId10"/>
-    <p:sldId id="266" r:id="rId11"/>
+    <p:sldId id="269" r:id="rId9"/>
+    <p:sldId id="263" r:id="rId10"/>
+    <p:sldId id="265" r:id="rId11"/>
+    <p:sldId id="266" r:id="rId12"/>
+    <p:sldId id="270" r:id="rId13"/>
   </p:sldIdLst>
   <p:sldSz cx="12192000" cy="6858000"/>
   <p:notesSz cx="6858000" cy="9144000"/>
@@ -4360,6 +4362,67 @@
           </a:graphicData>
         </a:graphic>
       </p:graphicFrame>
+      <p:sp>
+        <p:nvSpPr>
+          <p:cNvPr id="18" name="직사각형 17">
+            <a:extLst>
+              <a:ext uri="{FF2B5EF4-FFF2-40B4-BE49-F238E27FC236}">
+                <a16:creationId xmlns:a16="http://schemas.microsoft.com/office/drawing/2014/main" id="{8F9FEA64-691B-4026-ADBF-89B7E040C467}"/>
+              </a:ext>
+            </a:extLst>
+          </p:cNvPr>
+          <p:cNvSpPr/>
+          <p:nvPr/>
+        </p:nvSpPr>
+        <p:spPr>
+          <a:xfrm>
+            <a:off x="8923049" y="4351710"/>
+            <a:ext cx="1259174" cy="968732"/>
+          </a:xfrm>
+          <a:prstGeom prst="rect">
+            <a:avLst/>
+          </a:prstGeom>
+          <a:solidFill>
+            <a:schemeClr val="bg2">
+              <a:lumMod val="90000"/>
+            </a:schemeClr>
+          </a:solidFill>
+          <a:ln>
+            <a:noFill/>
+          </a:ln>
+        </p:spPr>
+        <p:style>
+          <a:lnRef idx="2">
+            <a:schemeClr val="accent1">
+              <a:shade val="50000"/>
+            </a:schemeClr>
+          </a:lnRef>
+          <a:fillRef idx="1">
+            <a:schemeClr val="accent1"/>
+          </a:fillRef>
+          <a:effectRef idx="0">
+            <a:schemeClr val="accent1"/>
+          </a:effectRef>
+          <a:fontRef idx="minor">
+            <a:schemeClr val="lt1"/>
+          </a:fontRef>
+        </p:style>
+        <p:txBody>
+          <a:bodyPr rtlCol="0" anchor="ctr"/>
+          <a:lstStyle/>
+          <a:p>
+            <a:pPr algn="ctr"/>
+            <a:r>
+              <a:rPr lang="en-US" altLang="ko-KR" dirty="0">
+                <a:solidFill>
+                  <a:schemeClr val="tx1"/>
+                </a:solidFill>
+              </a:rPr>
+              <a:t>OK</a:t>
+            </a:r>
+          </a:p>
+        </p:txBody>
+      </p:sp>
     </p:spTree>
     <p:extLst>
       <p:ext uri="{BB962C8B-B14F-4D97-AF65-F5344CB8AC3E}">
@@ -4374,6 +4437,942 @@
 </file>
 
 <file path=ppt/slides/slide10.xml><?xml version="1.0" encoding="utf-8"?>
+<p:sld xmlns:a="http://schemas.openxmlformats.org/drawingml/2006/main" xmlns:r="http://schemas.openxmlformats.org/officeDocument/2006/relationships" xmlns:p="http://schemas.openxmlformats.org/presentationml/2006/main">
+  <p:cSld>
+    <p:spTree>
+      <p:nvGrpSpPr>
+        <p:cNvPr id="1" name=""/>
+        <p:cNvGrpSpPr/>
+        <p:nvPr/>
+      </p:nvGrpSpPr>
+      <p:grpSpPr>
+        <a:xfrm>
+          <a:off x="0" y="0"/>
+          <a:ext cx="0" cy="0"/>
+          <a:chOff x="0" y="0"/>
+          <a:chExt cx="0" cy="0"/>
+        </a:xfrm>
+      </p:grpSpPr>
+      <p:grpSp>
+        <p:nvGrpSpPr>
+          <p:cNvPr id="4" name="그룹 3">
+            <a:extLst>
+              <a:ext uri="{FF2B5EF4-FFF2-40B4-BE49-F238E27FC236}">
+                <a16:creationId xmlns:a16="http://schemas.microsoft.com/office/drawing/2014/main" id="{4EA55269-BC47-4EE6-91DA-4CE22A1C07C8}"/>
+              </a:ext>
+            </a:extLst>
+          </p:cNvPr>
+          <p:cNvGrpSpPr/>
+          <p:nvPr/>
+        </p:nvGrpSpPr>
+        <p:grpSpPr>
+          <a:xfrm>
+            <a:off x="1066800" y="702129"/>
+            <a:ext cx="10058400" cy="5029200"/>
+            <a:chOff x="1175657" y="702129"/>
+            <a:chExt cx="10058400" cy="5029200"/>
+          </a:xfrm>
+        </p:grpSpPr>
+        <p:sp>
+          <p:nvSpPr>
+            <p:cNvPr id="5" name="직사각형 4">
+              <a:extLst>
+                <a:ext uri="{FF2B5EF4-FFF2-40B4-BE49-F238E27FC236}">
+                  <a16:creationId xmlns:a16="http://schemas.microsoft.com/office/drawing/2014/main" id="{5F4C9F58-2551-4388-9C33-2290F33743E2}"/>
+                </a:ext>
+              </a:extLst>
+            </p:cNvPr>
+            <p:cNvSpPr/>
+            <p:nvPr/>
+          </p:nvSpPr>
+          <p:spPr>
+            <a:xfrm>
+              <a:off x="1175657" y="734786"/>
+              <a:ext cx="10058400" cy="4996543"/>
+            </a:xfrm>
+            <a:prstGeom prst="rect">
+              <a:avLst/>
+            </a:prstGeom>
+            <a:solidFill>
+              <a:schemeClr val="bg1">
+                <a:lumMod val="95000"/>
+              </a:schemeClr>
+            </a:solidFill>
+            <a:ln w="57150">
+              <a:solidFill>
+                <a:schemeClr val="bg1">
+                  <a:lumMod val="85000"/>
+                </a:schemeClr>
+              </a:solidFill>
+            </a:ln>
+          </p:spPr>
+          <p:style>
+            <a:lnRef idx="2">
+              <a:schemeClr val="accent1">
+                <a:shade val="50000"/>
+              </a:schemeClr>
+            </a:lnRef>
+            <a:fillRef idx="1">
+              <a:schemeClr val="accent1"/>
+            </a:fillRef>
+            <a:effectRef idx="0">
+              <a:schemeClr val="accent1"/>
+            </a:effectRef>
+            <a:fontRef idx="minor">
+              <a:schemeClr val="lt1"/>
+            </a:fontRef>
+          </p:style>
+          <p:txBody>
+            <a:bodyPr rtlCol="0" anchor="ctr"/>
+            <a:lstStyle/>
+            <a:p>
+              <a:pPr algn="ctr"/>
+              <a:endParaRPr lang="ko-KR" altLang="en-US"/>
+            </a:p>
+          </p:txBody>
+        </p:sp>
+        <p:sp>
+          <p:nvSpPr>
+            <p:cNvPr id="6" name="직사각형 5">
+              <a:extLst>
+                <a:ext uri="{FF2B5EF4-FFF2-40B4-BE49-F238E27FC236}">
+                  <a16:creationId xmlns:a16="http://schemas.microsoft.com/office/drawing/2014/main" id="{6208ACA3-FA00-4384-9FF2-CC16036AE07A}"/>
+                </a:ext>
+              </a:extLst>
+            </p:cNvPr>
+            <p:cNvSpPr/>
+            <p:nvPr/>
+          </p:nvSpPr>
+          <p:spPr>
+            <a:xfrm>
+              <a:off x="1175657" y="734786"/>
+              <a:ext cx="10058400" cy="522514"/>
+            </a:xfrm>
+            <a:prstGeom prst="rect">
+              <a:avLst/>
+            </a:prstGeom>
+            <a:solidFill>
+              <a:schemeClr val="bg2">
+                <a:lumMod val="75000"/>
+              </a:schemeClr>
+            </a:solidFill>
+            <a:ln>
+              <a:noFill/>
+            </a:ln>
+          </p:spPr>
+          <p:style>
+            <a:lnRef idx="2">
+              <a:schemeClr val="accent1">
+                <a:shade val="50000"/>
+              </a:schemeClr>
+            </a:lnRef>
+            <a:fillRef idx="1">
+              <a:schemeClr val="accent1"/>
+            </a:fillRef>
+            <a:effectRef idx="0">
+              <a:schemeClr val="accent1"/>
+            </a:effectRef>
+            <a:fontRef idx="minor">
+              <a:schemeClr val="lt1"/>
+            </a:fontRef>
+          </p:style>
+          <p:txBody>
+            <a:bodyPr rtlCol="0" anchor="ctr"/>
+            <a:lstStyle/>
+            <a:p>
+              <a:pPr algn="ctr"/>
+              <a:endParaRPr lang="ko-KR" altLang="en-US"/>
+            </a:p>
+          </p:txBody>
+        </p:sp>
+        <p:sp>
+          <p:nvSpPr>
+            <p:cNvPr id="7" name="직사각형 6">
+              <a:extLst>
+                <a:ext uri="{FF2B5EF4-FFF2-40B4-BE49-F238E27FC236}">
+                  <a16:creationId xmlns:a16="http://schemas.microsoft.com/office/drawing/2014/main" id="{D4E37784-7116-4E97-B2FB-86F3982D7D0F}"/>
+                </a:ext>
+              </a:extLst>
+            </p:cNvPr>
+            <p:cNvSpPr/>
+            <p:nvPr/>
+          </p:nvSpPr>
+          <p:spPr>
+            <a:xfrm>
+              <a:off x="1306285" y="800099"/>
+              <a:ext cx="326571" cy="326572"/>
+            </a:xfrm>
+            <a:prstGeom prst="rect">
+              <a:avLst/>
+            </a:prstGeom>
+            <a:solidFill>
+              <a:schemeClr val="bg1">
+                <a:lumMod val="95000"/>
+              </a:schemeClr>
+            </a:solidFill>
+            <a:ln>
+              <a:noFill/>
+            </a:ln>
+          </p:spPr>
+          <p:style>
+            <a:lnRef idx="2">
+              <a:schemeClr val="accent1">
+                <a:shade val="50000"/>
+              </a:schemeClr>
+            </a:lnRef>
+            <a:fillRef idx="1">
+              <a:schemeClr val="accent1"/>
+            </a:fillRef>
+            <a:effectRef idx="0">
+              <a:schemeClr val="accent1"/>
+            </a:effectRef>
+            <a:fontRef idx="minor">
+              <a:schemeClr val="lt1"/>
+            </a:fontRef>
+          </p:style>
+          <p:txBody>
+            <a:bodyPr rtlCol="0" anchor="ctr"/>
+            <a:lstStyle/>
+            <a:p>
+              <a:pPr algn="ctr"/>
+              <a:endParaRPr lang="ko-KR" altLang="en-US"/>
+            </a:p>
+          </p:txBody>
+        </p:sp>
+        <p:sp>
+          <p:nvSpPr>
+            <p:cNvPr id="8" name="직사각형 7">
+              <a:extLst>
+                <a:ext uri="{FF2B5EF4-FFF2-40B4-BE49-F238E27FC236}">
+                  <a16:creationId xmlns:a16="http://schemas.microsoft.com/office/drawing/2014/main" id="{02401952-5722-41A5-802D-067B7C951B60}"/>
+                </a:ext>
+              </a:extLst>
+            </p:cNvPr>
+            <p:cNvSpPr/>
+            <p:nvPr/>
+          </p:nvSpPr>
+          <p:spPr>
+            <a:xfrm>
+              <a:off x="8972546" y="967466"/>
+              <a:ext cx="465368" cy="57153"/>
+            </a:xfrm>
+            <a:prstGeom prst="rect">
+              <a:avLst/>
+            </a:prstGeom>
+            <a:solidFill>
+              <a:schemeClr val="bg1">
+                <a:lumMod val="95000"/>
+              </a:schemeClr>
+            </a:solidFill>
+            <a:ln>
+              <a:noFill/>
+            </a:ln>
+          </p:spPr>
+          <p:style>
+            <a:lnRef idx="2">
+              <a:schemeClr val="accent1">
+                <a:shade val="50000"/>
+              </a:schemeClr>
+            </a:lnRef>
+            <a:fillRef idx="1">
+              <a:schemeClr val="accent1"/>
+            </a:fillRef>
+            <a:effectRef idx="0">
+              <a:schemeClr val="accent1"/>
+            </a:effectRef>
+            <a:fontRef idx="minor">
+              <a:schemeClr val="lt1"/>
+            </a:fontRef>
+          </p:style>
+          <p:txBody>
+            <a:bodyPr rtlCol="0" anchor="ctr"/>
+            <a:lstStyle/>
+            <a:p>
+              <a:pPr algn="ctr"/>
+              <a:endParaRPr lang="ko-KR" altLang="en-US"/>
+            </a:p>
+          </p:txBody>
+        </p:sp>
+        <p:sp>
+          <p:nvSpPr>
+            <p:cNvPr id="9" name="직사각형 8">
+              <a:extLst>
+                <a:ext uri="{FF2B5EF4-FFF2-40B4-BE49-F238E27FC236}">
+                  <a16:creationId xmlns:a16="http://schemas.microsoft.com/office/drawing/2014/main" id="{699E929B-9815-46DF-A707-1597D3C72D61}"/>
+                </a:ext>
+              </a:extLst>
+            </p:cNvPr>
+            <p:cNvSpPr/>
+            <p:nvPr/>
+          </p:nvSpPr>
+          <p:spPr>
+            <a:xfrm>
+              <a:off x="9915523" y="800099"/>
+              <a:ext cx="375557" cy="310243"/>
+            </a:xfrm>
+            <a:prstGeom prst="rect">
+              <a:avLst/>
+            </a:prstGeom>
+            <a:solidFill>
+              <a:schemeClr val="bg2"/>
+            </a:solidFill>
+            <a:ln>
+              <a:solidFill>
+                <a:schemeClr val="bg2">
+                  <a:lumMod val="75000"/>
+                </a:schemeClr>
+              </a:solidFill>
+            </a:ln>
+          </p:spPr>
+          <p:style>
+            <a:lnRef idx="2">
+              <a:schemeClr val="accent1">
+                <a:shade val="50000"/>
+              </a:schemeClr>
+            </a:lnRef>
+            <a:fillRef idx="1">
+              <a:schemeClr val="accent1"/>
+            </a:fillRef>
+            <a:effectRef idx="0">
+              <a:schemeClr val="accent1"/>
+            </a:effectRef>
+            <a:fontRef idx="minor">
+              <a:schemeClr val="lt1"/>
+            </a:fontRef>
+          </p:style>
+          <p:txBody>
+            <a:bodyPr rtlCol="0" anchor="ctr"/>
+            <a:lstStyle/>
+            <a:p>
+              <a:pPr algn="ctr"/>
+              <a:endParaRPr lang="ko-KR" altLang="en-US"/>
+            </a:p>
+          </p:txBody>
+        </p:sp>
+        <p:sp>
+          <p:nvSpPr>
+            <p:cNvPr id="10" name="직사각형 9">
+              <a:extLst>
+                <a:ext uri="{FF2B5EF4-FFF2-40B4-BE49-F238E27FC236}">
+                  <a16:creationId xmlns:a16="http://schemas.microsoft.com/office/drawing/2014/main" id="{8FF61FB0-58F1-4E4C-AC39-B6B0C39B6AA1}"/>
+                </a:ext>
+              </a:extLst>
+            </p:cNvPr>
+            <p:cNvSpPr/>
+            <p:nvPr/>
+          </p:nvSpPr>
+          <p:spPr>
+            <a:xfrm>
+              <a:off x="9776731" y="906233"/>
+              <a:ext cx="326571" cy="277587"/>
+            </a:xfrm>
+            <a:prstGeom prst="rect">
+              <a:avLst/>
+            </a:prstGeom>
+            <a:solidFill>
+              <a:schemeClr val="bg2"/>
+            </a:solidFill>
+            <a:ln>
+              <a:solidFill>
+                <a:schemeClr val="bg2">
+                  <a:lumMod val="75000"/>
+                </a:schemeClr>
+              </a:solidFill>
+            </a:ln>
+          </p:spPr>
+          <p:style>
+            <a:lnRef idx="2">
+              <a:schemeClr val="accent1">
+                <a:shade val="50000"/>
+              </a:schemeClr>
+            </a:lnRef>
+            <a:fillRef idx="1">
+              <a:schemeClr val="accent1"/>
+            </a:fillRef>
+            <a:effectRef idx="0">
+              <a:schemeClr val="accent1"/>
+            </a:effectRef>
+            <a:fontRef idx="minor">
+              <a:schemeClr val="lt1"/>
+            </a:fontRef>
+          </p:style>
+          <p:txBody>
+            <a:bodyPr rtlCol="0" anchor="ctr"/>
+            <a:lstStyle/>
+            <a:p>
+              <a:pPr algn="ctr"/>
+              <a:endParaRPr lang="ko-KR" altLang="en-US"/>
+            </a:p>
+          </p:txBody>
+        </p:sp>
+        <p:sp>
+          <p:nvSpPr>
+            <p:cNvPr id="11" name="곱하기 기호 10">
+              <a:extLst>
+                <a:ext uri="{FF2B5EF4-FFF2-40B4-BE49-F238E27FC236}">
+                  <a16:creationId xmlns:a16="http://schemas.microsoft.com/office/drawing/2014/main" id="{AC888585-924F-4379-90EC-FF98E92EF333}"/>
+                </a:ext>
+              </a:extLst>
+            </p:cNvPr>
+            <p:cNvSpPr/>
+            <p:nvPr/>
+          </p:nvSpPr>
+          <p:spPr>
+            <a:xfrm>
+              <a:off x="10429872" y="702129"/>
+              <a:ext cx="604157" cy="555171"/>
+            </a:xfrm>
+            <a:prstGeom prst="mathMultiply">
+              <a:avLst>
+                <a:gd name="adj1" fmla="val 11755"/>
+              </a:avLst>
+            </a:prstGeom>
+            <a:solidFill>
+              <a:schemeClr val="bg2"/>
+            </a:solidFill>
+            <a:ln>
+              <a:solidFill>
+                <a:schemeClr val="accent3"/>
+              </a:solidFill>
+            </a:ln>
+          </p:spPr>
+          <p:style>
+            <a:lnRef idx="2">
+              <a:schemeClr val="accent1">
+                <a:shade val="50000"/>
+              </a:schemeClr>
+            </a:lnRef>
+            <a:fillRef idx="1">
+              <a:schemeClr val="accent1"/>
+            </a:fillRef>
+            <a:effectRef idx="0">
+              <a:schemeClr val="accent1"/>
+            </a:effectRef>
+            <a:fontRef idx="minor">
+              <a:schemeClr val="lt1"/>
+            </a:fontRef>
+          </p:style>
+          <p:txBody>
+            <a:bodyPr rtlCol="0" anchor="ctr"/>
+            <a:lstStyle/>
+            <a:p>
+              <a:pPr algn="ctr"/>
+              <a:endParaRPr lang="ko-KR" altLang="en-US" dirty="0"/>
+            </a:p>
+          </p:txBody>
+        </p:sp>
+      </p:grpSp>
+      <p:sp>
+        <p:nvSpPr>
+          <p:cNvPr id="12" name="TextBox 11">
+            <a:extLst>
+              <a:ext uri="{FF2B5EF4-FFF2-40B4-BE49-F238E27FC236}">
+                <a16:creationId xmlns:a16="http://schemas.microsoft.com/office/drawing/2014/main" id="{B13AA8C8-F107-4FFB-A89D-B59C0BEE03BC}"/>
+              </a:ext>
+            </a:extLst>
+          </p:cNvPr>
+          <p:cNvSpPr txBox="1"/>
+          <p:nvPr/>
+        </p:nvSpPr>
+        <p:spPr>
+          <a:xfrm>
+            <a:off x="1700892" y="814488"/>
+            <a:ext cx="3230872" cy="369332"/>
+          </a:xfrm>
+          <a:prstGeom prst="rect">
+            <a:avLst/>
+          </a:prstGeom>
+          <a:noFill/>
+        </p:spPr>
+        <p:txBody>
+          <a:bodyPr wrap="square" rtlCol="0">
+            <a:spAutoFit/>
+          </a:bodyPr>
+          <a:lstStyle/>
+          <a:p>
+            <a:r>
+              <a:rPr lang="ko-KR" altLang="en-US"/>
+              <a:t>판매 완료된 상품 내역 조회</a:t>
+            </a:r>
+            <a:endParaRPr lang="ko-KR" altLang="en-US" dirty="0"/>
+          </a:p>
+        </p:txBody>
+      </p:sp>
+      <p:sp>
+        <p:nvSpPr>
+          <p:cNvPr id="13" name="직사각형 12">
+            <a:extLst>
+              <a:ext uri="{FF2B5EF4-FFF2-40B4-BE49-F238E27FC236}">
+                <a16:creationId xmlns:a16="http://schemas.microsoft.com/office/drawing/2014/main" id="{3569B209-C8AA-4A7C-B47D-361E6684AE74}"/>
+              </a:ext>
+            </a:extLst>
+          </p:cNvPr>
+          <p:cNvSpPr/>
+          <p:nvPr/>
+        </p:nvSpPr>
+        <p:spPr>
+          <a:xfrm>
+            <a:off x="2016439" y="1707303"/>
+            <a:ext cx="8143561" cy="3076107"/>
+          </a:xfrm>
+          <a:prstGeom prst="rect">
+            <a:avLst/>
+          </a:prstGeom>
+          <a:solidFill>
+            <a:schemeClr val="bg1"/>
+          </a:solidFill>
+          <a:ln>
+            <a:solidFill>
+              <a:schemeClr val="bg2">
+                <a:lumMod val="75000"/>
+              </a:schemeClr>
+            </a:solidFill>
+          </a:ln>
+        </p:spPr>
+        <p:style>
+          <a:lnRef idx="2">
+            <a:schemeClr val="accent1">
+              <a:shade val="50000"/>
+            </a:schemeClr>
+          </a:lnRef>
+          <a:fillRef idx="1">
+            <a:schemeClr val="accent1"/>
+          </a:fillRef>
+          <a:effectRef idx="0">
+            <a:schemeClr val="accent1"/>
+          </a:effectRef>
+          <a:fontRef idx="minor">
+            <a:schemeClr val="lt1"/>
+          </a:fontRef>
+        </p:style>
+        <p:txBody>
+          <a:bodyPr rtlCol="0" anchor="ctr"/>
+          <a:lstStyle/>
+          <a:p>
+            <a:pPr algn="ctr"/>
+            <a:endParaRPr lang="ko-KR" altLang="en-US"/>
+          </a:p>
+        </p:txBody>
+      </p:sp>
+      <p:graphicFrame>
+        <p:nvGraphicFramePr>
+          <p:cNvPr id="14" name="표 24">
+            <a:extLst>
+              <a:ext uri="{FF2B5EF4-FFF2-40B4-BE49-F238E27FC236}">
+                <a16:creationId xmlns:a16="http://schemas.microsoft.com/office/drawing/2014/main" id="{C27502F6-7CB8-4FDD-95D6-2F3C4E7D5816}"/>
+              </a:ext>
+            </a:extLst>
+          </p:cNvPr>
+          <p:cNvGraphicFramePr>
+            <a:graphicFrameLocks noGrp="1"/>
+          </p:cNvGraphicFramePr>
+          <p:nvPr>
+            <p:extLst>
+              <p:ext uri="{D42A27DB-BD31-4B8C-83A1-F6EECF244321}">
+                <p14:modId xmlns:p14="http://schemas.microsoft.com/office/powerpoint/2010/main" val="1631076281"/>
+              </p:ext>
+            </p:extLst>
+          </p:nvPr>
+        </p:nvGraphicFramePr>
+        <p:xfrm>
+          <a:off x="2031999" y="1707303"/>
+          <a:ext cx="8128000" cy="370840"/>
+        </p:xfrm>
+        <a:graphic>
+          <a:graphicData uri="http://schemas.openxmlformats.org/drawingml/2006/table">
+            <a:tbl>
+              <a:tblPr bandRow="1">
+                <a:tableStyleId>{073A0DAA-6AF3-43AB-8588-CEC1D06C72B9}</a:tableStyleId>
+              </a:tblPr>
+              <a:tblGrid>
+                <a:gridCol w="1625600">
+                  <a:extLst>
+                    <a:ext uri="{9D8B030D-6E8A-4147-A177-3AD203B41FA5}">
+                      <a16:colId xmlns:a16="http://schemas.microsoft.com/office/drawing/2014/main" val="2791206235"/>
+                    </a:ext>
+                  </a:extLst>
+                </a:gridCol>
+                <a:gridCol w="1625600">
+                  <a:extLst>
+                    <a:ext uri="{9D8B030D-6E8A-4147-A177-3AD203B41FA5}">
+                      <a16:colId xmlns:a16="http://schemas.microsoft.com/office/drawing/2014/main" val="694947750"/>
+                    </a:ext>
+                  </a:extLst>
+                </a:gridCol>
+                <a:gridCol w="1625600">
+                  <a:extLst>
+                    <a:ext uri="{9D8B030D-6E8A-4147-A177-3AD203B41FA5}">
+                      <a16:colId xmlns:a16="http://schemas.microsoft.com/office/drawing/2014/main" val="1987637732"/>
+                    </a:ext>
+                  </a:extLst>
+                </a:gridCol>
+                <a:gridCol w="1625600">
+                  <a:extLst>
+                    <a:ext uri="{9D8B030D-6E8A-4147-A177-3AD203B41FA5}">
+                      <a16:colId xmlns:a16="http://schemas.microsoft.com/office/drawing/2014/main" val="1529796229"/>
+                    </a:ext>
+                  </a:extLst>
+                </a:gridCol>
+                <a:gridCol w="1625600">
+                  <a:extLst>
+                    <a:ext uri="{9D8B030D-6E8A-4147-A177-3AD203B41FA5}">
+                      <a16:colId xmlns:a16="http://schemas.microsoft.com/office/drawing/2014/main" val="4196241945"/>
+                    </a:ext>
+                  </a:extLst>
+                </a:gridCol>
+              </a:tblGrid>
+              <a:tr h="370840">
+                <a:tc>
+                  <a:txBody>
+                    <a:bodyPr/>
+                    <a:lstStyle/>
+                    <a:p>
+                      <a:pPr latinLnBrk="1"/>
+                      <a:r>
+                        <a:rPr lang="ko-KR" altLang="en-US" sz="1500" dirty="0"/>
+                        <a:t>상품명</a:t>
+                      </a:r>
+                    </a:p>
+                  </a:txBody>
+                  <a:tcPr/>
+                </a:tc>
+                <a:tc>
+                  <a:txBody>
+                    <a:bodyPr/>
+                    <a:lstStyle/>
+                    <a:p>
+                      <a:pPr latinLnBrk="1"/>
+                      <a:r>
+                        <a:rPr lang="ko-KR" altLang="en-US" sz="1500" dirty="0"/>
+                        <a:t>제작회사명</a:t>
+                      </a:r>
+                    </a:p>
+                  </a:txBody>
+                  <a:tcPr/>
+                </a:tc>
+                <a:tc>
+                  <a:txBody>
+                    <a:bodyPr/>
+                    <a:lstStyle/>
+                    <a:p>
+                      <a:pPr latinLnBrk="1"/>
+                      <a:r>
+                        <a:rPr lang="ko-KR" altLang="en-US" sz="1500" dirty="0"/>
+                        <a:t>가격</a:t>
+                      </a:r>
+                    </a:p>
+                  </a:txBody>
+                  <a:tcPr/>
+                </a:tc>
+                <a:tc>
+                  <a:txBody>
+                    <a:bodyPr/>
+                    <a:lstStyle/>
+                    <a:p>
+                      <a:pPr latinLnBrk="1"/>
+                      <a:r>
+                        <a:rPr lang="ko-KR" altLang="en-US" sz="1500" dirty="0"/>
+                        <a:t>판매</a:t>
+                      </a:r>
+                      <a:r>
+                        <a:rPr lang="en-US" altLang="ko-KR" sz="1500" dirty="0"/>
+                        <a:t> </a:t>
+                      </a:r>
+                      <a:r>
+                        <a:rPr lang="ko-KR" altLang="en-US" sz="1500" dirty="0"/>
+                        <a:t>수량</a:t>
+                      </a:r>
+                    </a:p>
+                  </a:txBody>
+                  <a:tcPr/>
+                </a:tc>
+                <a:tc>
+                  <a:txBody>
+                    <a:bodyPr/>
+                    <a:lstStyle/>
+                    <a:p>
+                      <a:pPr latinLnBrk="1"/>
+                      <a:r>
+                        <a:rPr lang="ko-KR" altLang="en-US" sz="1500" dirty="0"/>
+                        <a:t>평균만족도</a:t>
+                      </a:r>
+                    </a:p>
+                  </a:txBody>
+                  <a:tcPr/>
+                </a:tc>
+                <a:extLst>
+                  <a:ext uri="{0D108BD9-81ED-4DB2-BD59-A6C34878D82A}">
+                    <a16:rowId xmlns:a16="http://schemas.microsoft.com/office/drawing/2014/main" val="2054603602"/>
+                  </a:ext>
+                </a:extLst>
+              </a:tr>
+            </a:tbl>
+          </a:graphicData>
+        </a:graphic>
+      </p:graphicFrame>
+      <p:graphicFrame>
+        <p:nvGraphicFramePr>
+          <p:cNvPr id="15" name="표 25">
+            <a:extLst>
+              <a:ext uri="{FF2B5EF4-FFF2-40B4-BE49-F238E27FC236}">
+                <a16:creationId xmlns:a16="http://schemas.microsoft.com/office/drawing/2014/main" id="{642A08DF-12E4-4EBD-B211-2B4994D3F41E}"/>
+              </a:ext>
+            </a:extLst>
+          </p:cNvPr>
+          <p:cNvGraphicFramePr>
+            <a:graphicFrameLocks noGrp="1"/>
+          </p:cNvGraphicFramePr>
+          <p:nvPr>
+            <p:extLst>
+              <p:ext uri="{D42A27DB-BD31-4B8C-83A1-F6EECF244321}">
+                <p14:modId xmlns:p14="http://schemas.microsoft.com/office/powerpoint/2010/main" val="2022065878"/>
+              </p:ext>
+            </p:extLst>
+          </p:nvPr>
+        </p:nvGraphicFramePr>
+        <p:xfrm>
+          <a:off x="2031999" y="2078143"/>
+          <a:ext cx="8128000" cy="2770971"/>
+        </p:xfrm>
+        <a:graphic>
+          <a:graphicData uri="http://schemas.openxmlformats.org/drawingml/2006/table">
+            <a:tbl>
+              <a:tblPr bandRow="1" bandCol="1">
+                <a:tableStyleId>{1FECB4D8-DB02-4DC6-A0A2-4F2EBAE1DC90}</a:tableStyleId>
+              </a:tblPr>
+              <a:tblGrid>
+                <a:gridCol w="8128000">
+                  <a:extLst>
+                    <a:ext uri="{9D8B030D-6E8A-4147-A177-3AD203B41FA5}">
+                      <a16:colId xmlns:a16="http://schemas.microsoft.com/office/drawing/2014/main" val="1028336975"/>
+                    </a:ext>
+                  </a:extLst>
+                </a:gridCol>
+              </a:tblGrid>
+              <a:tr h="395853">
+                <a:tc>
+                  <a:txBody>
+                    <a:bodyPr/>
+                    <a:lstStyle/>
+                    <a:p>
+                      <a:pPr algn="l" latinLnBrk="1"/>
+                      <a:r>
+                        <a:rPr lang="ko-KR" altLang="en-US" dirty="0"/>
+                        <a:t>긴 바지          </a:t>
+                      </a:r>
+                      <a:r>
+                        <a:rPr lang="ko-KR" altLang="en-US" dirty="0" err="1"/>
+                        <a:t>ㅇㅇㅇ</a:t>
+                      </a:r>
+                      <a:r>
+                        <a:rPr lang="ko-KR" altLang="en-US" dirty="0"/>
+                        <a:t>            </a:t>
+                      </a:r>
+                      <a:r>
+                        <a:rPr lang="en-US" altLang="ko-KR" dirty="0"/>
+                        <a:t>50000             5                  2.4/5</a:t>
+                      </a:r>
+                      <a:endParaRPr lang="ko-KR" altLang="en-US" dirty="0"/>
+                    </a:p>
+                  </a:txBody>
+                  <a:tcPr/>
+                </a:tc>
+                <a:extLst>
+                  <a:ext uri="{0D108BD9-81ED-4DB2-BD59-A6C34878D82A}">
+                    <a16:rowId xmlns:a16="http://schemas.microsoft.com/office/drawing/2014/main" val="2451666235"/>
+                  </a:ext>
+                </a:extLst>
+              </a:tr>
+              <a:tr h="395853">
+                <a:tc>
+                  <a:txBody>
+                    <a:bodyPr/>
+                    <a:lstStyle/>
+                    <a:p>
+                      <a:pPr latinLnBrk="1"/>
+                      <a:r>
+                        <a:rPr lang="ko-KR" altLang="en-US" dirty="0"/>
+                        <a:t>한복              </a:t>
+                      </a:r>
+                      <a:r>
+                        <a:rPr lang="ko-KR" altLang="en-US" dirty="0" err="1"/>
+                        <a:t>ㄴㄴㄴ</a:t>
+                      </a:r>
+                      <a:r>
+                        <a:rPr lang="ko-KR" altLang="en-US" dirty="0"/>
+                        <a:t>            </a:t>
+                      </a:r>
+                      <a:r>
+                        <a:rPr lang="en-US" altLang="ko-KR" dirty="0"/>
+                        <a:t>60000             6                  3.0/5</a:t>
+                      </a:r>
+                      <a:endParaRPr lang="ko-KR" altLang="en-US" dirty="0"/>
+                    </a:p>
+                  </a:txBody>
+                  <a:tcPr/>
+                </a:tc>
+                <a:extLst>
+                  <a:ext uri="{0D108BD9-81ED-4DB2-BD59-A6C34878D82A}">
+                    <a16:rowId xmlns:a16="http://schemas.microsoft.com/office/drawing/2014/main" val="828867358"/>
+                  </a:ext>
+                </a:extLst>
+              </a:tr>
+              <a:tr h="395853">
+                <a:tc>
+                  <a:txBody>
+                    <a:bodyPr/>
+                    <a:lstStyle/>
+                    <a:p>
+                      <a:pPr latinLnBrk="1"/>
+                      <a:endParaRPr lang="ko-KR" altLang="en-US" dirty="0"/>
+                    </a:p>
+                  </a:txBody>
+                  <a:tcPr/>
+                </a:tc>
+                <a:extLst>
+                  <a:ext uri="{0D108BD9-81ED-4DB2-BD59-A6C34878D82A}">
+                    <a16:rowId xmlns:a16="http://schemas.microsoft.com/office/drawing/2014/main" val="2626992471"/>
+                  </a:ext>
+                </a:extLst>
+              </a:tr>
+              <a:tr h="395853">
+                <a:tc>
+                  <a:txBody>
+                    <a:bodyPr/>
+                    <a:lstStyle/>
+                    <a:p>
+                      <a:pPr latinLnBrk="1"/>
+                      <a:r>
+                        <a:rPr lang="en-US" altLang="ko-KR" dirty="0"/>
+                        <a:t> </a:t>
+                      </a:r>
+                      <a:endParaRPr lang="ko-KR" altLang="en-US" dirty="0"/>
+                    </a:p>
+                  </a:txBody>
+                  <a:tcPr/>
+                </a:tc>
+                <a:extLst>
+                  <a:ext uri="{0D108BD9-81ED-4DB2-BD59-A6C34878D82A}">
+                    <a16:rowId xmlns:a16="http://schemas.microsoft.com/office/drawing/2014/main" val="3290447992"/>
+                  </a:ext>
+                </a:extLst>
+              </a:tr>
+              <a:tr h="395853">
+                <a:tc>
+                  <a:txBody>
+                    <a:bodyPr/>
+                    <a:lstStyle/>
+                    <a:p>
+                      <a:pPr latinLnBrk="1"/>
+                      <a:endParaRPr lang="ko-KR" altLang="en-US" dirty="0"/>
+                    </a:p>
+                  </a:txBody>
+                  <a:tcPr/>
+                </a:tc>
+                <a:extLst>
+                  <a:ext uri="{0D108BD9-81ED-4DB2-BD59-A6C34878D82A}">
+                    <a16:rowId xmlns:a16="http://schemas.microsoft.com/office/drawing/2014/main" val="797954163"/>
+                  </a:ext>
+                </a:extLst>
+              </a:tr>
+              <a:tr h="395853">
+                <a:tc>
+                  <a:txBody>
+                    <a:bodyPr/>
+                    <a:lstStyle/>
+                    <a:p>
+                      <a:pPr latinLnBrk="1"/>
+                      <a:endParaRPr lang="ko-KR" altLang="en-US" dirty="0"/>
+                    </a:p>
+                  </a:txBody>
+                  <a:tcPr/>
+                </a:tc>
+                <a:extLst>
+                  <a:ext uri="{0D108BD9-81ED-4DB2-BD59-A6C34878D82A}">
+                    <a16:rowId xmlns:a16="http://schemas.microsoft.com/office/drawing/2014/main" val="695632810"/>
+                  </a:ext>
+                </a:extLst>
+              </a:tr>
+              <a:tr h="395853">
+                <a:tc>
+                  <a:txBody>
+                    <a:bodyPr/>
+                    <a:lstStyle/>
+                    <a:p>
+                      <a:pPr latinLnBrk="1"/>
+                      <a:endParaRPr lang="ko-KR" altLang="en-US" dirty="0"/>
+                    </a:p>
+                  </a:txBody>
+                  <a:tcPr/>
+                </a:tc>
+                <a:extLst>
+                  <a:ext uri="{0D108BD9-81ED-4DB2-BD59-A6C34878D82A}">
+                    <a16:rowId xmlns:a16="http://schemas.microsoft.com/office/drawing/2014/main" val="181488195"/>
+                  </a:ext>
+                </a:extLst>
+              </a:tr>
+            </a:tbl>
+          </a:graphicData>
+        </a:graphic>
+      </p:graphicFrame>
+      <p:sp>
+        <p:nvSpPr>
+          <p:cNvPr id="16" name="TextBox 15">
+            <a:extLst>
+              <a:ext uri="{FF2B5EF4-FFF2-40B4-BE49-F238E27FC236}">
+                <a16:creationId xmlns:a16="http://schemas.microsoft.com/office/drawing/2014/main" id="{0BC00322-FC1A-44D1-B3E1-EA6F110776EB}"/>
+              </a:ext>
+            </a:extLst>
+          </p:cNvPr>
+          <p:cNvSpPr txBox="1"/>
+          <p:nvPr/>
+        </p:nvSpPr>
+        <p:spPr>
+          <a:xfrm>
+            <a:off x="9162490" y="1305314"/>
+            <a:ext cx="1663908" cy="369332"/>
+          </a:xfrm>
+          <a:prstGeom prst="rect">
+            <a:avLst/>
+          </a:prstGeom>
+          <a:noFill/>
+        </p:spPr>
+        <p:txBody>
+          <a:bodyPr wrap="square" rtlCol="0">
+            <a:spAutoFit/>
+          </a:bodyPr>
+          <a:lstStyle/>
+          <a:p>
+            <a:r>
+              <a:rPr lang="ko-KR" altLang="en-US" dirty="0" err="1"/>
+              <a:t>ㅇㅇ</a:t>
+            </a:r>
+            <a:r>
+              <a:rPr lang="ko-KR" altLang="en-US" dirty="0"/>
+              <a:t> 님 </a:t>
+            </a:r>
+            <a:r>
+              <a:rPr lang="en-US" altLang="ko-KR" dirty="0"/>
+              <a:t>&gt;</a:t>
+            </a:r>
+            <a:endParaRPr lang="ko-KR" altLang="en-US" dirty="0"/>
+          </a:p>
+        </p:txBody>
+      </p:sp>
+    </p:spTree>
+    <p:extLst>
+      <p:ext uri="{BB962C8B-B14F-4D97-AF65-F5344CB8AC3E}">
+        <p14:creationId xmlns:p14="http://schemas.microsoft.com/office/powerpoint/2010/main" val="817140901"/>
+      </p:ext>
+    </p:extLst>
+  </p:cSld>
+  <p:clrMapOvr>
+    <a:masterClrMapping/>
+  </p:clrMapOvr>
+</p:sld>
+</file>
+
+<file path=ppt/slides/slide11.xml><?xml version="1.0" encoding="utf-8"?>
 <p:sld xmlns:a="http://schemas.openxmlformats.org/drawingml/2006/main" xmlns:r="http://schemas.openxmlformats.org/officeDocument/2006/relationships" xmlns:p="http://schemas.openxmlformats.org/presentationml/2006/main">
   <p:cSld>
     <p:spTree>
@@ -5048,7 +6047,7 @@
                   <a:schemeClr val="tx1"/>
                 </a:solidFill>
               </a:rPr>
-              <a:t>7.5 / 10</a:t>
+              <a:t>4.3 / 5</a:t>
             </a:r>
             <a:endParaRPr lang="ko-KR" altLang="en-US" dirty="0">
               <a:solidFill>
@@ -5102,6 +6101,447 @@
     <p:extLst>
       <p:ext uri="{BB962C8B-B14F-4D97-AF65-F5344CB8AC3E}">
         <p14:creationId xmlns:p14="http://schemas.microsoft.com/office/powerpoint/2010/main" val="3377993729"/>
+      </p:ext>
+    </p:extLst>
+  </p:cSld>
+  <p:clrMapOvr>
+    <a:masterClrMapping/>
+  </p:clrMapOvr>
+</p:sld>
+</file>
+
+<file path=ppt/slides/slide12.xml><?xml version="1.0" encoding="utf-8"?>
+<p:sld xmlns:a="http://schemas.openxmlformats.org/drawingml/2006/main" xmlns:r="http://schemas.openxmlformats.org/officeDocument/2006/relationships" xmlns:p="http://schemas.openxmlformats.org/presentationml/2006/main">
+  <p:cSld>
+    <p:spTree>
+      <p:nvGrpSpPr>
+        <p:cNvPr id="1" name=""/>
+        <p:cNvGrpSpPr/>
+        <p:nvPr/>
+      </p:nvGrpSpPr>
+      <p:grpSpPr>
+        <a:xfrm>
+          <a:off x="0" y="0"/>
+          <a:ext cx="0" cy="0"/>
+          <a:chOff x="0" y="0"/>
+          <a:chExt cx="0" cy="0"/>
+        </a:xfrm>
+      </p:grpSpPr>
+      <p:sp>
+        <p:nvSpPr>
+          <p:cNvPr id="4" name="직사각형 3">
+            <a:extLst>
+              <a:ext uri="{FF2B5EF4-FFF2-40B4-BE49-F238E27FC236}">
+                <a16:creationId xmlns:a16="http://schemas.microsoft.com/office/drawing/2014/main" id="{A24E7311-7B26-45E6-83EB-2297F67007A4}"/>
+              </a:ext>
+            </a:extLst>
+          </p:cNvPr>
+          <p:cNvSpPr/>
+          <p:nvPr/>
+        </p:nvSpPr>
+        <p:spPr>
+          <a:xfrm>
+            <a:off x="3326775" y="589031"/>
+            <a:ext cx="4976735" cy="2203554"/>
+          </a:xfrm>
+          <a:prstGeom prst="rect">
+            <a:avLst/>
+          </a:prstGeom>
+          <a:solidFill>
+            <a:schemeClr val="accent3"/>
+          </a:solidFill>
+          <a:ln>
+            <a:noFill/>
+          </a:ln>
+        </p:spPr>
+        <p:style>
+          <a:lnRef idx="2">
+            <a:schemeClr val="accent1">
+              <a:shade val="50000"/>
+            </a:schemeClr>
+          </a:lnRef>
+          <a:fillRef idx="1">
+            <a:schemeClr val="accent1"/>
+          </a:fillRef>
+          <a:effectRef idx="0">
+            <a:schemeClr val="accent1"/>
+          </a:effectRef>
+          <a:fontRef idx="minor">
+            <a:schemeClr val="lt1"/>
+          </a:fontRef>
+        </p:style>
+        <p:txBody>
+          <a:bodyPr rtlCol="0" anchor="ctr"/>
+          <a:lstStyle/>
+          <a:p>
+            <a:pPr algn="ctr"/>
+            <a:endParaRPr lang="ko-KR" altLang="en-US"/>
+          </a:p>
+        </p:txBody>
+      </p:sp>
+      <p:sp>
+        <p:nvSpPr>
+          <p:cNvPr id="5" name="직사각형 4">
+            <a:extLst>
+              <a:ext uri="{FF2B5EF4-FFF2-40B4-BE49-F238E27FC236}">
+                <a16:creationId xmlns:a16="http://schemas.microsoft.com/office/drawing/2014/main" id="{BF3BFAF2-AD43-4862-B748-64168F37283A}"/>
+              </a:ext>
+            </a:extLst>
+          </p:cNvPr>
+          <p:cNvSpPr/>
+          <p:nvPr/>
+        </p:nvSpPr>
+        <p:spPr>
+          <a:xfrm>
+            <a:off x="7357139" y="763072"/>
+            <a:ext cx="329785" cy="45719"/>
+          </a:xfrm>
+          <a:prstGeom prst="rect">
+            <a:avLst/>
+          </a:prstGeom>
+          <a:solidFill>
+            <a:schemeClr val="bg1">
+              <a:lumMod val="95000"/>
+            </a:schemeClr>
+          </a:solidFill>
+          <a:ln>
+            <a:noFill/>
+          </a:ln>
+        </p:spPr>
+        <p:style>
+          <a:lnRef idx="2">
+            <a:schemeClr val="accent1">
+              <a:shade val="50000"/>
+            </a:schemeClr>
+          </a:lnRef>
+          <a:fillRef idx="1">
+            <a:schemeClr val="accent1"/>
+          </a:fillRef>
+          <a:effectRef idx="0">
+            <a:schemeClr val="accent1"/>
+          </a:effectRef>
+          <a:fontRef idx="minor">
+            <a:schemeClr val="lt1"/>
+          </a:fontRef>
+        </p:style>
+        <p:txBody>
+          <a:bodyPr rtlCol="0" anchor="ctr"/>
+          <a:lstStyle/>
+          <a:p>
+            <a:pPr algn="ctr"/>
+            <a:endParaRPr lang="ko-KR" altLang="en-US"/>
+          </a:p>
+        </p:txBody>
+      </p:sp>
+      <p:sp>
+        <p:nvSpPr>
+          <p:cNvPr id="6" name="곱하기 기호 5">
+            <a:extLst>
+              <a:ext uri="{FF2B5EF4-FFF2-40B4-BE49-F238E27FC236}">
+                <a16:creationId xmlns:a16="http://schemas.microsoft.com/office/drawing/2014/main" id="{89F09F7C-7A91-4C10-B38F-CD3BAE6CFBC1}"/>
+              </a:ext>
+            </a:extLst>
+          </p:cNvPr>
+          <p:cNvSpPr/>
+          <p:nvPr/>
+        </p:nvSpPr>
+        <p:spPr>
+          <a:xfrm>
+            <a:off x="7686924" y="589031"/>
+            <a:ext cx="511655" cy="393802"/>
+          </a:xfrm>
+          <a:prstGeom prst="mathMultiply">
+            <a:avLst>
+              <a:gd name="adj1" fmla="val 11755"/>
+            </a:avLst>
+          </a:prstGeom>
+          <a:solidFill>
+            <a:schemeClr val="bg2"/>
+          </a:solidFill>
+          <a:ln>
+            <a:solidFill>
+              <a:schemeClr val="accent3"/>
+            </a:solidFill>
+          </a:ln>
+        </p:spPr>
+        <p:style>
+          <a:lnRef idx="2">
+            <a:schemeClr val="accent1">
+              <a:shade val="50000"/>
+            </a:schemeClr>
+          </a:lnRef>
+          <a:fillRef idx="1">
+            <a:schemeClr val="accent1"/>
+          </a:fillRef>
+          <a:effectRef idx="0">
+            <a:schemeClr val="accent1"/>
+          </a:effectRef>
+          <a:fontRef idx="minor">
+            <a:schemeClr val="lt1"/>
+          </a:fontRef>
+        </p:style>
+        <p:txBody>
+          <a:bodyPr rtlCol="0" anchor="ctr"/>
+          <a:lstStyle/>
+          <a:p>
+            <a:pPr algn="ctr"/>
+            <a:endParaRPr lang="ko-KR" altLang="en-US" dirty="0"/>
+          </a:p>
+        </p:txBody>
+      </p:sp>
+      <p:sp>
+        <p:nvSpPr>
+          <p:cNvPr id="7" name="TextBox 6">
+            <a:extLst>
+              <a:ext uri="{FF2B5EF4-FFF2-40B4-BE49-F238E27FC236}">
+                <a16:creationId xmlns:a16="http://schemas.microsoft.com/office/drawing/2014/main" id="{DBF1FA95-E974-4457-9460-9B5FFF6065BD}"/>
+              </a:ext>
+            </a:extLst>
+          </p:cNvPr>
+          <p:cNvSpPr txBox="1"/>
+          <p:nvPr/>
+        </p:nvSpPr>
+        <p:spPr>
+          <a:xfrm>
+            <a:off x="3862826" y="1328398"/>
+            <a:ext cx="3895676" cy="369332"/>
+          </a:xfrm>
+          <a:prstGeom prst="rect">
+            <a:avLst/>
+          </a:prstGeom>
+          <a:noFill/>
+        </p:spPr>
+        <p:txBody>
+          <a:bodyPr wrap="square" rtlCol="0">
+            <a:spAutoFit/>
+          </a:bodyPr>
+          <a:lstStyle/>
+          <a:p>
+            <a:r>
+              <a:rPr lang="ko-KR" altLang="en-US" dirty="0"/>
+              <a:t>상품 등록이 완료되었습니다</a:t>
+            </a:r>
+            <a:r>
+              <a:rPr lang="en-US" altLang="ko-KR" dirty="0"/>
+              <a:t>.</a:t>
+            </a:r>
+            <a:endParaRPr lang="ko-KR" altLang="en-US" dirty="0"/>
+          </a:p>
+        </p:txBody>
+      </p:sp>
+      <p:sp>
+        <p:nvSpPr>
+          <p:cNvPr id="8" name="직사각형 7">
+            <a:extLst>
+              <a:ext uri="{FF2B5EF4-FFF2-40B4-BE49-F238E27FC236}">
+                <a16:creationId xmlns:a16="http://schemas.microsoft.com/office/drawing/2014/main" id="{622D5288-AB87-4310-A60A-B669D4A8ED16}"/>
+              </a:ext>
+            </a:extLst>
+          </p:cNvPr>
+          <p:cNvSpPr/>
+          <p:nvPr/>
+        </p:nvSpPr>
+        <p:spPr>
+          <a:xfrm>
+            <a:off x="3431706" y="3500560"/>
+            <a:ext cx="4976735" cy="2203554"/>
+          </a:xfrm>
+          <a:prstGeom prst="rect">
+            <a:avLst/>
+          </a:prstGeom>
+          <a:solidFill>
+            <a:schemeClr val="accent3"/>
+          </a:solidFill>
+          <a:ln>
+            <a:noFill/>
+          </a:ln>
+        </p:spPr>
+        <p:style>
+          <a:lnRef idx="2">
+            <a:schemeClr val="accent1">
+              <a:shade val="50000"/>
+            </a:schemeClr>
+          </a:lnRef>
+          <a:fillRef idx="1">
+            <a:schemeClr val="accent1"/>
+          </a:fillRef>
+          <a:effectRef idx="0">
+            <a:schemeClr val="accent1"/>
+          </a:effectRef>
+          <a:fontRef idx="minor">
+            <a:schemeClr val="lt1"/>
+          </a:fontRef>
+        </p:style>
+        <p:txBody>
+          <a:bodyPr rtlCol="0" anchor="ctr"/>
+          <a:lstStyle/>
+          <a:p>
+            <a:pPr algn="ctr"/>
+            <a:endParaRPr lang="ko-KR" altLang="en-US"/>
+          </a:p>
+        </p:txBody>
+      </p:sp>
+      <p:sp>
+        <p:nvSpPr>
+          <p:cNvPr id="9" name="직사각형 8">
+            <a:extLst>
+              <a:ext uri="{FF2B5EF4-FFF2-40B4-BE49-F238E27FC236}">
+                <a16:creationId xmlns:a16="http://schemas.microsoft.com/office/drawing/2014/main" id="{6C86CA3F-A7C3-4C7A-BD7B-73B91D1D63B8}"/>
+              </a:ext>
+            </a:extLst>
+          </p:cNvPr>
+          <p:cNvSpPr/>
+          <p:nvPr/>
+        </p:nvSpPr>
+        <p:spPr>
+          <a:xfrm>
+            <a:off x="7462070" y="3674601"/>
+            <a:ext cx="329785" cy="45719"/>
+          </a:xfrm>
+          <a:prstGeom prst="rect">
+            <a:avLst/>
+          </a:prstGeom>
+          <a:solidFill>
+            <a:schemeClr val="bg1">
+              <a:lumMod val="95000"/>
+            </a:schemeClr>
+          </a:solidFill>
+          <a:ln>
+            <a:noFill/>
+          </a:ln>
+        </p:spPr>
+        <p:style>
+          <a:lnRef idx="2">
+            <a:schemeClr val="accent1">
+              <a:shade val="50000"/>
+            </a:schemeClr>
+          </a:lnRef>
+          <a:fillRef idx="1">
+            <a:schemeClr val="accent1"/>
+          </a:fillRef>
+          <a:effectRef idx="0">
+            <a:schemeClr val="accent1"/>
+          </a:effectRef>
+          <a:fontRef idx="minor">
+            <a:schemeClr val="lt1"/>
+          </a:fontRef>
+        </p:style>
+        <p:txBody>
+          <a:bodyPr rtlCol="0" anchor="ctr"/>
+          <a:lstStyle/>
+          <a:p>
+            <a:pPr algn="ctr"/>
+            <a:endParaRPr lang="ko-KR" altLang="en-US"/>
+          </a:p>
+        </p:txBody>
+      </p:sp>
+      <p:sp>
+        <p:nvSpPr>
+          <p:cNvPr id="10" name="곱하기 기호 9">
+            <a:extLst>
+              <a:ext uri="{FF2B5EF4-FFF2-40B4-BE49-F238E27FC236}">
+                <a16:creationId xmlns:a16="http://schemas.microsoft.com/office/drawing/2014/main" id="{EB5CBD15-E3E6-4479-9A80-FF259FBEA7BD}"/>
+              </a:ext>
+            </a:extLst>
+          </p:cNvPr>
+          <p:cNvSpPr/>
+          <p:nvPr/>
+        </p:nvSpPr>
+        <p:spPr>
+          <a:xfrm>
+            <a:off x="7791855" y="3500560"/>
+            <a:ext cx="511655" cy="393802"/>
+          </a:xfrm>
+          <a:prstGeom prst="mathMultiply">
+            <a:avLst>
+              <a:gd name="adj1" fmla="val 11755"/>
+            </a:avLst>
+          </a:prstGeom>
+          <a:solidFill>
+            <a:schemeClr val="bg2"/>
+          </a:solidFill>
+          <a:ln>
+            <a:solidFill>
+              <a:schemeClr val="accent3"/>
+            </a:solidFill>
+          </a:ln>
+        </p:spPr>
+        <p:style>
+          <a:lnRef idx="2">
+            <a:schemeClr val="accent1">
+              <a:shade val="50000"/>
+            </a:schemeClr>
+          </a:lnRef>
+          <a:fillRef idx="1">
+            <a:schemeClr val="accent1"/>
+          </a:fillRef>
+          <a:effectRef idx="0">
+            <a:schemeClr val="accent1"/>
+          </a:effectRef>
+          <a:fontRef idx="minor">
+            <a:schemeClr val="lt1"/>
+          </a:fontRef>
+        </p:style>
+        <p:txBody>
+          <a:bodyPr rtlCol="0" anchor="ctr"/>
+          <a:lstStyle/>
+          <a:p>
+            <a:pPr algn="ctr"/>
+            <a:endParaRPr lang="ko-KR" altLang="en-US" dirty="0"/>
+          </a:p>
+        </p:txBody>
+      </p:sp>
+      <p:sp>
+        <p:nvSpPr>
+          <p:cNvPr id="11" name="TextBox 10">
+            <a:extLst>
+              <a:ext uri="{FF2B5EF4-FFF2-40B4-BE49-F238E27FC236}">
+                <a16:creationId xmlns:a16="http://schemas.microsoft.com/office/drawing/2014/main" id="{E13C0CA9-38A1-42E1-BBF7-7B8A3355A9C9}"/>
+              </a:ext>
+            </a:extLst>
+          </p:cNvPr>
+          <p:cNvSpPr txBox="1"/>
+          <p:nvPr/>
+        </p:nvSpPr>
+        <p:spPr>
+          <a:xfrm>
+            <a:off x="3967757" y="4239927"/>
+            <a:ext cx="3895676" cy="646331"/>
+          </a:xfrm>
+          <a:prstGeom prst="rect">
+            <a:avLst/>
+          </a:prstGeom>
+          <a:noFill/>
+        </p:spPr>
+        <p:txBody>
+          <a:bodyPr wrap="square" rtlCol="0">
+            <a:spAutoFit/>
+          </a:bodyPr>
+          <a:lstStyle/>
+          <a:p>
+            <a:r>
+              <a:rPr lang="ko-KR" altLang="en-US" dirty="0"/>
+              <a:t>아이디 또는 비밀번호가 </a:t>
+            </a:r>
+            <a:endParaRPr lang="en-US" altLang="ko-KR" dirty="0"/>
+          </a:p>
+          <a:p>
+            <a:r>
+              <a:rPr lang="ko-KR" altLang="en-US" dirty="0"/>
+              <a:t>잘못 입력되었습니다</a:t>
+            </a:r>
+            <a:r>
+              <a:rPr lang="en-US" altLang="ko-KR" dirty="0"/>
+              <a:t>.</a:t>
+            </a:r>
+            <a:endParaRPr lang="ko-KR" altLang="en-US" dirty="0"/>
+          </a:p>
+        </p:txBody>
+      </p:sp>
+    </p:spTree>
+    <p:extLst>
+      <p:ext uri="{BB962C8B-B14F-4D97-AF65-F5344CB8AC3E}">
+        <p14:creationId xmlns:p14="http://schemas.microsoft.com/office/powerpoint/2010/main" val="1996742353"/>
       </p:ext>
     </p:extLst>
   </p:cSld>
@@ -10968,6 +12408,1173 @@
           <p:cNvPr id="4" name="그룹 3">
             <a:extLst>
               <a:ext uri="{FF2B5EF4-FFF2-40B4-BE49-F238E27FC236}">
+                <a16:creationId xmlns:a16="http://schemas.microsoft.com/office/drawing/2014/main" id="{9479ECD1-5075-477A-B37D-4E8C9F361ED1}"/>
+              </a:ext>
+            </a:extLst>
+          </p:cNvPr>
+          <p:cNvGrpSpPr/>
+          <p:nvPr/>
+        </p:nvGrpSpPr>
+        <p:grpSpPr>
+          <a:xfrm>
+            <a:off x="1066800" y="702129"/>
+            <a:ext cx="10058400" cy="5029200"/>
+            <a:chOff x="1175657" y="702129"/>
+            <a:chExt cx="10058400" cy="5029200"/>
+          </a:xfrm>
+        </p:grpSpPr>
+        <p:sp>
+          <p:nvSpPr>
+            <p:cNvPr id="5" name="직사각형 4">
+              <a:extLst>
+                <a:ext uri="{FF2B5EF4-FFF2-40B4-BE49-F238E27FC236}">
+                  <a16:creationId xmlns:a16="http://schemas.microsoft.com/office/drawing/2014/main" id="{50AAF82D-A726-4830-A32E-57136A48601D}"/>
+                </a:ext>
+              </a:extLst>
+            </p:cNvPr>
+            <p:cNvSpPr/>
+            <p:nvPr/>
+          </p:nvSpPr>
+          <p:spPr>
+            <a:xfrm>
+              <a:off x="1175657" y="734786"/>
+              <a:ext cx="10058400" cy="4996543"/>
+            </a:xfrm>
+            <a:prstGeom prst="rect">
+              <a:avLst/>
+            </a:prstGeom>
+            <a:solidFill>
+              <a:schemeClr val="bg1">
+                <a:lumMod val="95000"/>
+              </a:schemeClr>
+            </a:solidFill>
+            <a:ln w="57150">
+              <a:solidFill>
+                <a:schemeClr val="bg1">
+                  <a:lumMod val="85000"/>
+                </a:schemeClr>
+              </a:solidFill>
+            </a:ln>
+          </p:spPr>
+          <p:style>
+            <a:lnRef idx="2">
+              <a:schemeClr val="accent1">
+                <a:shade val="50000"/>
+              </a:schemeClr>
+            </a:lnRef>
+            <a:fillRef idx="1">
+              <a:schemeClr val="accent1"/>
+            </a:fillRef>
+            <a:effectRef idx="0">
+              <a:schemeClr val="accent1"/>
+            </a:effectRef>
+            <a:fontRef idx="minor">
+              <a:schemeClr val="lt1"/>
+            </a:fontRef>
+          </p:style>
+          <p:txBody>
+            <a:bodyPr rtlCol="0" anchor="ctr"/>
+            <a:lstStyle/>
+            <a:p>
+              <a:pPr algn="ctr"/>
+              <a:endParaRPr lang="ko-KR" altLang="en-US"/>
+            </a:p>
+          </p:txBody>
+        </p:sp>
+        <p:sp>
+          <p:nvSpPr>
+            <p:cNvPr id="6" name="직사각형 5">
+              <a:extLst>
+                <a:ext uri="{FF2B5EF4-FFF2-40B4-BE49-F238E27FC236}">
+                  <a16:creationId xmlns:a16="http://schemas.microsoft.com/office/drawing/2014/main" id="{D5C5E512-496D-44A7-B5B3-AD1248171F20}"/>
+                </a:ext>
+              </a:extLst>
+            </p:cNvPr>
+            <p:cNvSpPr/>
+            <p:nvPr/>
+          </p:nvSpPr>
+          <p:spPr>
+            <a:xfrm>
+              <a:off x="1175657" y="734786"/>
+              <a:ext cx="10058400" cy="522514"/>
+            </a:xfrm>
+            <a:prstGeom prst="rect">
+              <a:avLst/>
+            </a:prstGeom>
+            <a:solidFill>
+              <a:schemeClr val="bg2">
+                <a:lumMod val="75000"/>
+              </a:schemeClr>
+            </a:solidFill>
+            <a:ln>
+              <a:noFill/>
+            </a:ln>
+          </p:spPr>
+          <p:style>
+            <a:lnRef idx="2">
+              <a:schemeClr val="accent1">
+                <a:shade val="50000"/>
+              </a:schemeClr>
+            </a:lnRef>
+            <a:fillRef idx="1">
+              <a:schemeClr val="accent1"/>
+            </a:fillRef>
+            <a:effectRef idx="0">
+              <a:schemeClr val="accent1"/>
+            </a:effectRef>
+            <a:fontRef idx="minor">
+              <a:schemeClr val="lt1"/>
+            </a:fontRef>
+          </p:style>
+          <p:txBody>
+            <a:bodyPr rtlCol="0" anchor="ctr"/>
+            <a:lstStyle/>
+            <a:p>
+              <a:pPr algn="ctr"/>
+              <a:endParaRPr lang="ko-KR" altLang="en-US"/>
+            </a:p>
+          </p:txBody>
+        </p:sp>
+        <p:sp>
+          <p:nvSpPr>
+            <p:cNvPr id="7" name="직사각형 6">
+              <a:extLst>
+                <a:ext uri="{FF2B5EF4-FFF2-40B4-BE49-F238E27FC236}">
+                  <a16:creationId xmlns:a16="http://schemas.microsoft.com/office/drawing/2014/main" id="{4EAE2AD1-81D5-40D7-BDF8-B4F45AED45DC}"/>
+                </a:ext>
+              </a:extLst>
+            </p:cNvPr>
+            <p:cNvSpPr/>
+            <p:nvPr/>
+          </p:nvSpPr>
+          <p:spPr>
+            <a:xfrm>
+              <a:off x="1306285" y="800099"/>
+              <a:ext cx="326571" cy="326572"/>
+            </a:xfrm>
+            <a:prstGeom prst="rect">
+              <a:avLst/>
+            </a:prstGeom>
+            <a:solidFill>
+              <a:schemeClr val="bg1">
+                <a:lumMod val="95000"/>
+              </a:schemeClr>
+            </a:solidFill>
+            <a:ln>
+              <a:noFill/>
+            </a:ln>
+          </p:spPr>
+          <p:style>
+            <a:lnRef idx="2">
+              <a:schemeClr val="accent1">
+                <a:shade val="50000"/>
+              </a:schemeClr>
+            </a:lnRef>
+            <a:fillRef idx="1">
+              <a:schemeClr val="accent1"/>
+            </a:fillRef>
+            <a:effectRef idx="0">
+              <a:schemeClr val="accent1"/>
+            </a:effectRef>
+            <a:fontRef idx="minor">
+              <a:schemeClr val="lt1"/>
+            </a:fontRef>
+          </p:style>
+          <p:txBody>
+            <a:bodyPr rtlCol="0" anchor="ctr"/>
+            <a:lstStyle/>
+            <a:p>
+              <a:pPr algn="ctr"/>
+              <a:endParaRPr lang="ko-KR" altLang="en-US"/>
+            </a:p>
+          </p:txBody>
+        </p:sp>
+        <p:sp>
+          <p:nvSpPr>
+            <p:cNvPr id="8" name="직사각형 7">
+              <a:extLst>
+                <a:ext uri="{FF2B5EF4-FFF2-40B4-BE49-F238E27FC236}">
+                  <a16:creationId xmlns:a16="http://schemas.microsoft.com/office/drawing/2014/main" id="{C4912576-3777-4202-B663-DAE2804FBE78}"/>
+                </a:ext>
+              </a:extLst>
+            </p:cNvPr>
+            <p:cNvSpPr/>
+            <p:nvPr/>
+          </p:nvSpPr>
+          <p:spPr>
+            <a:xfrm>
+              <a:off x="8972546" y="967466"/>
+              <a:ext cx="465368" cy="57153"/>
+            </a:xfrm>
+            <a:prstGeom prst="rect">
+              <a:avLst/>
+            </a:prstGeom>
+            <a:solidFill>
+              <a:schemeClr val="bg1">
+                <a:lumMod val="95000"/>
+              </a:schemeClr>
+            </a:solidFill>
+            <a:ln>
+              <a:noFill/>
+            </a:ln>
+          </p:spPr>
+          <p:style>
+            <a:lnRef idx="2">
+              <a:schemeClr val="accent1">
+                <a:shade val="50000"/>
+              </a:schemeClr>
+            </a:lnRef>
+            <a:fillRef idx="1">
+              <a:schemeClr val="accent1"/>
+            </a:fillRef>
+            <a:effectRef idx="0">
+              <a:schemeClr val="accent1"/>
+            </a:effectRef>
+            <a:fontRef idx="minor">
+              <a:schemeClr val="lt1"/>
+            </a:fontRef>
+          </p:style>
+          <p:txBody>
+            <a:bodyPr rtlCol="0" anchor="ctr"/>
+            <a:lstStyle/>
+            <a:p>
+              <a:pPr algn="ctr"/>
+              <a:endParaRPr lang="ko-KR" altLang="en-US"/>
+            </a:p>
+          </p:txBody>
+        </p:sp>
+        <p:sp>
+          <p:nvSpPr>
+            <p:cNvPr id="9" name="직사각형 8">
+              <a:extLst>
+                <a:ext uri="{FF2B5EF4-FFF2-40B4-BE49-F238E27FC236}">
+                  <a16:creationId xmlns:a16="http://schemas.microsoft.com/office/drawing/2014/main" id="{8F0532FD-E96A-48AB-A854-7AFCFF9B8449}"/>
+                </a:ext>
+              </a:extLst>
+            </p:cNvPr>
+            <p:cNvSpPr/>
+            <p:nvPr/>
+          </p:nvSpPr>
+          <p:spPr>
+            <a:xfrm>
+              <a:off x="9915523" y="800099"/>
+              <a:ext cx="375557" cy="310243"/>
+            </a:xfrm>
+            <a:prstGeom prst="rect">
+              <a:avLst/>
+            </a:prstGeom>
+            <a:solidFill>
+              <a:schemeClr val="bg2"/>
+            </a:solidFill>
+            <a:ln>
+              <a:solidFill>
+                <a:schemeClr val="bg2">
+                  <a:lumMod val="75000"/>
+                </a:schemeClr>
+              </a:solidFill>
+            </a:ln>
+          </p:spPr>
+          <p:style>
+            <a:lnRef idx="2">
+              <a:schemeClr val="accent1">
+                <a:shade val="50000"/>
+              </a:schemeClr>
+            </a:lnRef>
+            <a:fillRef idx="1">
+              <a:schemeClr val="accent1"/>
+            </a:fillRef>
+            <a:effectRef idx="0">
+              <a:schemeClr val="accent1"/>
+            </a:effectRef>
+            <a:fontRef idx="minor">
+              <a:schemeClr val="lt1"/>
+            </a:fontRef>
+          </p:style>
+          <p:txBody>
+            <a:bodyPr rtlCol="0" anchor="ctr"/>
+            <a:lstStyle/>
+            <a:p>
+              <a:pPr algn="ctr"/>
+              <a:endParaRPr lang="ko-KR" altLang="en-US"/>
+            </a:p>
+          </p:txBody>
+        </p:sp>
+        <p:sp>
+          <p:nvSpPr>
+            <p:cNvPr id="10" name="직사각형 9">
+              <a:extLst>
+                <a:ext uri="{FF2B5EF4-FFF2-40B4-BE49-F238E27FC236}">
+                  <a16:creationId xmlns:a16="http://schemas.microsoft.com/office/drawing/2014/main" id="{ADFCF80B-5A41-425D-8196-93223D94E474}"/>
+                </a:ext>
+              </a:extLst>
+            </p:cNvPr>
+            <p:cNvSpPr/>
+            <p:nvPr/>
+          </p:nvSpPr>
+          <p:spPr>
+            <a:xfrm>
+              <a:off x="9776731" y="906233"/>
+              <a:ext cx="326571" cy="277587"/>
+            </a:xfrm>
+            <a:prstGeom prst="rect">
+              <a:avLst/>
+            </a:prstGeom>
+            <a:solidFill>
+              <a:schemeClr val="bg2"/>
+            </a:solidFill>
+            <a:ln>
+              <a:solidFill>
+                <a:schemeClr val="bg2">
+                  <a:lumMod val="75000"/>
+                </a:schemeClr>
+              </a:solidFill>
+            </a:ln>
+          </p:spPr>
+          <p:style>
+            <a:lnRef idx="2">
+              <a:schemeClr val="accent1">
+                <a:shade val="50000"/>
+              </a:schemeClr>
+            </a:lnRef>
+            <a:fillRef idx="1">
+              <a:schemeClr val="accent1"/>
+            </a:fillRef>
+            <a:effectRef idx="0">
+              <a:schemeClr val="accent1"/>
+            </a:effectRef>
+            <a:fontRef idx="minor">
+              <a:schemeClr val="lt1"/>
+            </a:fontRef>
+          </p:style>
+          <p:txBody>
+            <a:bodyPr rtlCol="0" anchor="ctr"/>
+            <a:lstStyle/>
+            <a:p>
+              <a:pPr algn="ctr"/>
+              <a:endParaRPr lang="ko-KR" altLang="en-US"/>
+            </a:p>
+          </p:txBody>
+        </p:sp>
+        <p:sp>
+          <p:nvSpPr>
+            <p:cNvPr id="11" name="곱하기 기호 10">
+              <a:extLst>
+                <a:ext uri="{FF2B5EF4-FFF2-40B4-BE49-F238E27FC236}">
+                  <a16:creationId xmlns:a16="http://schemas.microsoft.com/office/drawing/2014/main" id="{8DBDFBC7-68DC-4534-9270-FA6AB289B279}"/>
+                </a:ext>
+              </a:extLst>
+            </p:cNvPr>
+            <p:cNvSpPr/>
+            <p:nvPr/>
+          </p:nvSpPr>
+          <p:spPr>
+            <a:xfrm>
+              <a:off x="10429872" y="702129"/>
+              <a:ext cx="604157" cy="555171"/>
+            </a:xfrm>
+            <a:prstGeom prst="mathMultiply">
+              <a:avLst>
+                <a:gd name="adj1" fmla="val 11755"/>
+              </a:avLst>
+            </a:prstGeom>
+            <a:solidFill>
+              <a:schemeClr val="bg2"/>
+            </a:solidFill>
+            <a:ln>
+              <a:solidFill>
+                <a:schemeClr val="accent3"/>
+              </a:solidFill>
+            </a:ln>
+          </p:spPr>
+          <p:style>
+            <a:lnRef idx="2">
+              <a:schemeClr val="accent1">
+                <a:shade val="50000"/>
+              </a:schemeClr>
+            </a:lnRef>
+            <a:fillRef idx="1">
+              <a:schemeClr val="accent1"/>
+            </a:fillRef>
+            <a:effectRef idx="0">
+              <a:schemeClr val="accent1"/>
+            </a:effectRef>
+            <a:fontRef idx="minor">
+              <a:schemeClr val="lt1"/>
+            </a:fontRef>
+          </p:style>
+          <p:txBody>
+            <a:bodyPr rtlCol="0" anchor="ctr"/>
+            <a:lstStyle/>
+            <a:p>
+              <a:pPr algn="ctr"/>
+              <a:endParaRPr lang="ko-KR" altLang="en-US" dirty="0"/>
+            </a:p>
+          </p:txBody>
+        </p:sp>
+      </p:grpSp>
+      <p:sp>
+        <p:nvSpPr>
+          <p:cNvPr id="12" name="TextBox 11">
+            <a:extLst>
+              <a:ext uri="{FF2B5EF4-FFF2-40B4-BE49-F238E27FC236}">
+                <a16:creationId xmlns:a16="http://schemas.microsoft.com/office/drawing/2014/main" id="{524B9F3A-1610-4C8F-AF4E-B7B140728703}"/>
+              </a:ext>
+            </a:extLst>
+          </p:cNvPr>
+          <p:cNvSpPr txBox="1"/>
+          <p:nvPr/>
+        </p:nvSpPr>
+        <p:spPr>
+          <a:xfrm>
+            <a:off x="1700892" y="814488"/>
+            <a:ext cx="2436393" cy="369332"/>
+          </a:xfrm>
+          <a:prstGeom prst="rect">
+            <a:avLst/>
+          </a:prstGeom>
+          <a:noFill/>
+        </p:spPr>
+        <p:txBody>
+          <a:bodyPr wrap="square" rtlCol="0">
+            <a:spAutoFit/>
+          </a:bodyPr>
+          <a:lstStyle/>
+          <a:p>
+            <a:r>
+              <a:rPr lang="ko-KR" altLang="en-US"/>
+              <a:t>판매중인 의류 조회</a:t>
+            </a:r>
+            <a:endParaRPr lang="ko-KR" altLang="en-US" dirty="0"/>
+          </a:p>
+        </p:txBody>
+      </p:sp>
+      <p:sp>
+        <p:nvSpPr>
+          <p:cNvPr id="13" name="직사각형 12">
+            <a:extLst>
+              <a:ext uri="{FF2B5EF4-FFF2-40B4-BE49-F238E27FC236}">
+                <a16:creationId xmlns:a16="http://schemas.microsoft.com/office/drawing/2014/main" id="{6A78C6C4-4C51-4C16-A200-0607909FCA99}"/>
+              </a:ext>
+            </a:extLst>
+          </p:cNvPr>
+          <p:cNvSpPr/>
+          <p:nvPr/>
+        </p:nvSpPr>
+        <p:spPr>
+          <a:xfrm>
+            <a:off x="2016439" y="1707303"/>
+            <a:ext cx="8143561" cy="3076107"/>
+          </a:xfrm>
+          <a:prstGeom prst="rect">
+            <a:avLst/>
+          </a:prstGeom>
+          <a:solidFill>
+            <a:schemeClr val="bg1"/>
+          </a:solidFill>
+          <a:ln>
+            <a:solidFill>
+              <a:schemeClr val="bg2">
+                <a:lumMod val="75000"/>
+              </a:schemeClr>
+            </a:solidFill>
+          </a:ln>
+        </p:spPr>
+        <p:style>
+          <a:lnRef idx="2">
+            <a:schemeClr val="accent1">
+              <a:shade val="50000"/>
+            </a:schemeClr>
+          </a:lnRef>
+          <a:fillRef idx="1">
+            <a:schemeClr val="accent1"/>
+          </a:fillRef>
+          <a:effectRef idx="0">
+            <a:schemeClr val="accent1"/>
+          </a:effectRef>
+          <a:fontRef idx="minor">
+            <a:schemeClr val="lt1"/>
+          </a:fontRef>
+        </p:style>
+        <p:txBody>
+          <a:bodyPr rtlCol="0" anchor="ctr"/>
+          <a:lstStyle/>
+          <a:p>
+            <a:pPr algn="ctr"/>
+            <a:endParaRPr lang="ko-KR" altLang="en-US"/>
+          </a:p>
+        </p:txBody>
+      </p:sp>
+      <p:graphicFrame>
+        <p:nvGraphicFramePr>
+          <p:cNvPr id="14" name="표 24">
+            <a:extLst>
+              <a:ext uri="{FF2B5EF4-FFF2-40B4-BE49-F238E27FC236}">
+                <a16:creationId xmlns:a16="http://schemas.microsoft.com/office/drawing/2014/main" id="{8121C694-C2F0-4551-9D7A-062237A7E678}"/>
+              </a:ext>
+            </a:extLst>
+          </p:cNvPr>
+          <p:cNvGraphicFramePr>
+            <a:graphicFrameLocks noGrp="1"/>
+          </p:cNvGraphicFramePr>
+          <p:nvPr>
+            <p:extLst>
+              <p:ext uri="{D42A27DB-BD31-4B8C-83A1-F6EECF244321}">
+                <p14:modId xmlns:p14="http://schemas.microsoft.com/office/powerpoint/2010/main" val="1912351297"/>
+              </p:ext>
+            </p:extLst>
+          </p:nvPr>
+        </p:nvGraphicFramePr>
+        <p:xfrm>
+          <a:off x="2031999" y="1707303"/>
+          <a:ext cx="8128001" cy="548640"/>
+        </p:xfrm>
+        <a:graphic>
+          <a:graphicData uri="http://schemas.openxmlformats.org/drawingml/2006/table">
+            <a:tbl>
+              <a:tblPr bandRow="1">
+                <a:tableStyleId>{073A0DAA-6AF3-43AB-8588-CEC1D06C72B9}</a:tableStyleId>
+              </a:tblPr>
+              <a:tblGrid>
+                <a:gridCol w="1161143">
+                  <a:extLst>
+                    <a:ext uri="{9D8B030D-6E8A-4147-A177-3AD203B41FA5}">
+                      <a16:colId xmlns:a16="http://schemas.microsoft.com/office/drawing/2014/main" val="2791206235"/>
+                    </a:ext>
+                  </a:extLst>
+                </a:gridCol>
+                <a:gridCol w="1161143">
+                  <a:extLst>
+                    <a:ext uri="{9D8B030D-6E8A-4147-A177-3AD203B41FA5}">
+                      <a16:colId xmlns:a16="http://schemas.microsoft.com/office/drawing/2014/main" val="694947750"/>
+                    </a:ext>
+                  </a:extLst>
+                </a:gridCol>
+                <a:gridCol w="1161143">
+                  <a:extLst>
+                    <a:ext uri="{9D8B030D-6E8A-4147-A177-3AD203B41FA5}">
+                      <a16:colId xmlns:a16="http://schemas.microsoft.com/office/drawing/2014/main" val="1987637732"/>
+                    </a:ext>
+                  </a:extLst>
+                </a:gridCol>
+                <a:gridCol w="1161143">
+                  <a:extLst>
+                    <a:ext uri="{9D8B030D-6E8A-4147-A177-3AD203B41FA5}">
+                      <a16:colId xmlns:a16="http://schemas.microsoft.com/office/drawing/2014/main" val="1529796229"/>
+                    </a:ext>
+                  </a:extLst>
+                </a:gridCol>
+                <a:gridCol w="1161143">
+                  <a:extLst>
+                    <a:ext uri="{9D8B030D-6E8A-4147-A177-3AD203B41FA5}">
+                      <a16:colId xmlns:a16="http://schemas.microsoft.com/office/drawing/2014/main" val="4196241945"/>
+                    </a:ext>
+                  </a:extLst>
+                </a:gridCol>
+                <a:gridCol w="1161143">
+                  <a:extLst>
+                    <a:ext uri="{9D8B030D-6E8A-4147-A177-3AD203B41FA5}">
+                      <a16:colId xmlns:a16="http://schemas.microsoft.com/office/drawing/2014/main" val="2316370580"/>
+                    </a:ext>
+                  </a:extLst>
+                </a:gridCol>
+                <a:gridCol w="1161143">
+                  <a:extLst>
+                    <a:ext uri="{9D8B030D-6E8A-4147-A177-3AD203B41FA5}">
+                      <a16:colId xmlns:a16="http://schemas.microsoft.com/office/drawing/2014/main" val="2552972985"/>
+                    </a:ext>
+                  </a:extLst>
+                </a:gridCol>
+              </a:tblGrid>
+              <a:tr h="370840">
+                <a:tc>
+                  <a:txBody>
+                    <a:bodyPr/>
+                    <a:lstStyle/>
+                    <a:p>
+                      <a:pPr latinLnBrk="1"/>
+                      <a:r>
+                        <a:rPr lang="ko-KR" altLang="en-US" sz="1500" dirty="0"/>
+                        <a:t>상품명</a:t>
+                      </a:r>
+                    </a:p>
+                  </a:txBody>
+                  <a:tcPr/>
+                </a:tc>
+                <a:tc>
+                  <a:txBody>
+                    <a:bodyPr/>
+                    <a:lstStyle/>
+                    <a:p>
+                      <a:pPr latinLnBrk="1"/>
+                      <a:r>
+                        <a:rPr lang="ko-KR" altLang="en-US" sz="1500" dirty="0"/>
+                        <a:t>제작회사명</a:t>
+                      </a:r>
+                    </a:p>
+                  </a:txBody>
+                  <a:tcPr/>
+                </a:tc>
+                <a:tc>
+                  <a:txBody>
+                    <a:bodyPr/>
+                    <a:lstStyle/>
+                    <a:p>
+                      <a:pPr latinLnBrk="1"/>
+                      <a:r>
+                        <a:rPr lang="ko-KR" altLang="en-US" sz="1500" dirty="0"/>
+                        <a:t>가격</a:t>
+                      </a:r>
+                      <a:r>
+                        <a:rPr lang="en-US" altLang="ko-KR" sz="1500" dirty="0"/>
+                        <a:t>(</a:t>
+                      </a:r>
+                      <a:r>
+                        <a:rPr lang="ko-KR" altLang="en-US" sz="1500" dirty="0"/>
+                        <a:t>원</a:t>
+                      </a:r>
+                      <a:r>
+                        <a:rPr lang="en-US" altLang="ko-KR" sz="1500" dirty="0"/>
+                        <a:t>)</a:t>
+                      </a:r>
+                      <a:endParaRPr lang="ko-KR" altLang="en-US" sz="1500" dirty="0"/>
+                    </a:p>
+                  </a:txBody>
+                  <a:tcPr/>
+                </a:tc>
+                <a:tc>
+                  <a:txBody>
+                    <a:bodyPr/>
+                    <a:lstStyle/>
+                    <a:p>
+                      <a:pPr latinLnBrk="1"/>
+                      <a:r>
+                        <a:rPr lang="ko-KR" altLang="en-US" sz="1500" dirty="0"/>
+                        <a:t>수량</a:t>
+                      </a:r>
+                    </a:p>
+                  </a:txBody>
+                  <a:tcPr/>
+                </a:tc>
+                <a:tc>
+                  <a:txBody>
+                    <a:bodyPr/>
+                    <a:lstStyle/>
+                    <a:p>
+                      <a:pPr latinLnBrk="1"/>
+                      <a:r>
+                        <a:rPr lang="ko-KR" altLang="en-US" sz="1500" dirty="0"/>
+                        <a:t>추가상품</a:t>
+                      </a:r>
+                    </a:p>
+                  </a:txBody>
+                  <a:tcPr/>
+                </a:tc>
+                <a:tc>
+                  <a:txBody>
+                    <a:bodyPr/>
+                    <a:lstStyle/>
+                    <a:p>
+                      <a:pPr latinLnBrk="1"/>
+                      <a:r>
+                        <a:rPr lang="ko-KR" altLang="en-US" sz="1500" dirty="0"/>
+                        <a:t>추가상품</a:t>
+                      </a:r>
+                      <a:endParaRPr lang="en-US" altLang="ko-KR" sz="1500" dirty="0"/>
+                    </a:p>
+                    <a:p>
+                      <a:pPr latinLnBrk="1"/>
+                      <a:r>
+                        <a:rPr lang="ko-KR" altLang="en-US" sz="1500" dirty="0"/>
+                        <a:t>가격</a:t>
+                      </a:r>
+                    </a:p>
+                  </a:txBody>
+                  <a:tcPr/>
+                </a:tc>
+                <a:tc>
+                  <a:txBody>
+                    <a:bodyPr/>
+                    <a:lstStyle/>
+                    <a:p>
+                      <a:pPr latinLnBrk="1"/>
+                      <a:r>
+                        <a:rPr lang="ko-KR" altLang="en-US" sz="1500" dirty="0"/>
+                        <a:t>판매</a:t>
+                      </a:r>
+                      <a:endParaRPr lang="en-US" altLang="ko-KR" sz="1500" dirty="0"/>
+                    </a:p>
+                    <a:p>
+                      <a:pPr latinLnBrk="1"/>
+                      <a:r>
+                        <a:rPr lang="ko-KR" altLang="en-US" sz="1500" dirty="0"/>
+                        <a:t>종료일</a:t>
+                      </a:r>
+                    </a:p>
+                  </a:txBody>
+                  <a:tcPr/>
+                </a:tc>
+                <a:extLst>
+                  <a:ext uri="{0D108BD9-81ED-4DB2-BD59-A6C34878D82A}">
+                    <a16:rowId xmlns:a16="http://schemas.microsoft.com/office/drawing/2014/main" val="2054603602"/>
+                  </a:ext>
+                </a:extLst>
+              </a:tr>
+            </a:tbl>
+          </a:graphicData>
+        </a:graphic>
+      </p:graphicFrame>
+      <p:graphicFrame>
+        <p:nvGraphicFramePr>
+          <p:cNvPr id="15" name="표 25">
+            <a:extLst>
+              <a:ext uri="{FF2B5EF4-FFF2-40B4-BE49-F238E27FC236}">
+                <a16:creationId xmlns:a16="http://schemas.microsoft.com/office/drawing/2014/main" id="{BE61D0BE-1708-4E5F-96F2-E63A2AA9930C}"/>
+              </a:ext>
+            </a:extLst>
+          </p:cNvPr>
+          <p:cNvGraphicFramePr>
+            <a:graphicFrameLocks noGrp="1"/>
+          </p:cNvGraphicFramePr>
+          <p:nvPr>
+            <p:extLst>
+              <p:ext uri="{D42A27DB-BD31-4B8C-83A1-F6EECF244321}">
+                <p14:modId xmlns:p14="http://schemas.microsoft.com/office/powerpoint/2010/main" val="2596790941"/>
+              </p:ext>
+            </p:extLst>
+          </p:nvPr>
+        </p:nvGraphicFramePr>
+        <p:xfrm>
+          <a:off x="2032000" y="2288600"/>
+          <a:ext cx="8128000" cy="2622795"/>
+        </p:xfrm>
+        <a:graphic>
+          <a:graphicData uri="http://schemas.openxmlformats.org/drawingml/2006/table">
+            <a:tbl>
+              <a:tblPr bandRow="1" bandCol="1">
+                <a:tableStyleId>{1FECB4D8-DB02-4DC6-A0A2-4F2EBAE1DC90}</a:tableStyleId>
+              </a:tblPr>
+              <a:tblGrid>
+                <a:gridCol w="8128000">
+                  <a:extLst>
+                    <a:ext uri="{9D8B030D-6E8A-4147-A177-3AD203B41FA5}">
+                      <a16:colId xmlns:a16="http://schemas.microsoft.com/office/drawing/2014/main" val="1028336975"/>
+                    </a:ext>
+                  </a:extLst>
+                </a:gridCol>
+              </a:tblGrid>
+              <a:tr h="374685">
+                <a:tc>
+                  <a:txBody>
+                    <a:bodyPr/>
+                    <a:lstStyle/>
+                    <a:p>
+                      <a:pPr algn="l" latinLnBrk="1"/>
+                      <a:r>
+                        <a:rPr lang="ko-KR" altLang="en-US" dirty="0"/>
+                        <a:t>남방        </a:t>
+                      </a:r>
+                      <a:r>
+                        <a:rPr lang="ko-KR" altLang="en-US" dirty="0" err="1"/>
+                        <a:t>ㅁㅁㅁ</a:t>
+                      </a:r>
+                      <a:r>
+                        <a:rPr lang="ko-KR" altLang="en-US" dirty="0"/>
+                        <a:t>      </a:t>
+                      </a:r>
+                      <a:r>
+                        <a:rPr lang="en-US" altLang="ko-KR" dirty="0"/>
+                        <a:t>12000       10           </a:t>
+                      </a:r>
+                      <a:r>
+                        <a:rPr lang="ko-KR" altLang="en-US" dirty="0"/>
+                        <a:t>모자         </a:t>
+                      </a:r>
+                      <a:r>
+                        <a:rPr lang="en-US" altLang="ko-KR" dirty="0"/>
+                        <a:t>3000         5/2</a:t>
+                      </a:r>
+                      <a:endParaRPr lang="ko-KR" altLang="en-US" dirty="0"/>
+                    </a:p>
+                  </a:txBody>
+                  <a:tcPr/>
+                </a:tc>
+                <a:extLst>
+                  <a:ext uri="{0D108BD9-81ED-4DB2-BD59-A6C34878D82A}">
+                    <a16:rowId xmlns:a16="http://schemas.microsoft.com/office/drawing/2014/main" val="2451666235"/>
+                  </a:ext>
+                </a:extLst>
+              </a:tr>
+              <a:tr h="374685">
+                <a:tc>
+                  <a:txBody>
+                    <a:bodyPr/>
+                    <a:lstStyle/>
+                    <a:p>
+                      <a:pPr marL="0" marR="0" lvl="0" indent="0" algn="l" defTabSz="914400" rtl="0" eaLnBrk="1" fontAlgn="auto" latinLnBrk="1" hangingPunct="1">
+                        <a:lnSpc>
+                          <a:spcPct val="100000"/>
+                        </a:lnSpc>
+                        <a:spcBef>
+                          <a:spcPts val="0"/>
+                        </a:spcBef>
+                        <a:spcAft>
+                          <a:spcPts val="0"/>
+                        </a:spcAft>
+                        <a:buClrTx/>
+                        <a:buSzTx/>
+                        <a:buFontTx/>
+                        <a:buNone/>
+                        <a:tabLst/>
+                        <a:defRPr/>
+                      </a:pPr>
+                      <a:r>
+                        <a:rPr lang="ko-KR" altLang="en-US" dirty="0" err="1"/>
+                        <a:t>후드티</a:t>
+                      </a:r>
+                      <a:r>
+                        <a:rPr lang="ko-KR" altLang="en-US" dirty="0"/>
+                        <a:t>     </a:t>
+                      </a:r>
+                      <a:r>
+                        <a:rPr lang="ko-KR" altLang="en-US" dirty="0" err="1"/>
+                        <a:t>ㄴㄴㄴ</a:t>
+                      </a:r>
+                      <a:r>
+                        <a:rPr lang="ko-KR" altLang="en-US" dirty="0"/>
+                        <a:t>      </a:t>
+                      </a:r>
+                      <a:r>
+                        <a:rPr lang="en-US" altLang="ko-KR" dirty="0"/>
+                        <a:t>43000       3             </a:t>
+                      </a:r>
+                      <a:r>
+                        <a:rPr lang="ko-KR" altLang="en-US" dirty="0"/>
+                        <a:t>머리띠      </a:t>
+                      </a:r>
+                      <a:r>
+                        <a:rPr lang="en-US" altLang="ko-KR" dirty="0"/>
+                        <a:t>2000         4/30</a:t>
+                      </a:r>
+                      <a:endParaRPr lang="ko-KR" altLang="en-US" dirty="0"/>
+                    </a:p>
+                  </a:txBody>
+                  <a:tcPr/>
+                </a:tc>
+                <a:extLst>
+                  <a:ext uri="{0D108BD9-81ED-4DB2-BD59-A6C34878D82A}">
+                    <a16:rowId xmlns:a16="http://schemas.microsoft.com/office/drawing/2014/main" val="828867358"/>
+                  </a:ext>
+                </a:extLst>
+              </a:tr>
+              <a:tr h="374685">
+                <a:tc>
+                  <a:txBody>
+                    <a:bodyPr/>
+                    <a:lstStyle/>
+                    <a:p>
+                      <a:pPr latinLnBrk="1"/>
+                      <a:endParaRPr lang="ko-KR" altLang="en-US" dirty="0"/>
+                    </a:p>
+                  </a:txBody>
+                  <a:tcPr/>
+                </a:tc>
+                <a:extLst>
+                  <a:ext uri="{0D108BD9-81ED-4DB2-BD59-A6C34878D82A}">
+                    <a16:rowId xmlns:a16="http://schemas.microsoft.com/office/drawing/2014/main" val="2626992471"/>
+                  </a:ext>
+                </a:extLst>
+              </a:tr>
+              <a:tr h="374685">
+                <a:tc>
+                  <a:txBody>
+                    <a:bodyPr/>
+                    <a:lstStyle/>
+                    <a:p>
+                      <a:pPr latinLnBrk="1"/>
+                      <a:r>
+                        <a:rPr lang="en-US" altLang="ko-KR" dirty="0"/>
+                        <a:t> </a:t>
+                      </a:r>
+                      <a:endParaRPr lang="ko-KR" altLang="en-US" dirty="0"/>
+                    </a:p>
+                  </a:txBody>
+                  <a:tcPr/>
+                </a:tc>
+                <a:extLst>
+                  <a:ext uri="{0D108BD9-81ED-4DB2-BD59-A6C34878D82A}">
+                    <a16:rowId xmlns:a16="http://schemas.microsoft.com/office/drawing/2014/main" val="3290447992"/>
+                  </a:ext>
+                </a:extLst>
+              </a:tr>
+              <a:tr h="374685">
+                <a:tc>
+                  <a:txBody>
+                    <a:bodyPr/>
+                    <a:lstStyle/>
+                    <a:p>
+                      <a:pPr latinLnBrk="1"/>
+                      <a:endParaRPr lang="ko-KR" altLang="en-US" dirty="0"/>
+                    </a:p>
+                  </a:txBody>
+                  <a:tcPr/>
+                </a:tc>
+                <a:extLst>
+                  <a:ext uri="{0D108BD9-81ED-4DB2-BD59-A6C34878D82A}">
+                    <a16:rowId xmlns:a16="http://schemas.microsoft.com/office/drawing/2014/main" val="797954163"/>
+                  </a:ext>
+                </a:extLst>
+              </a:tr>
+              <a:tr h="374685">
+                <a:tc>
+                  <a:txBody>
+                    <a:bodyPr/>
+                    <a:lstStyle/>
+                    <a:p>
+                      <a:pPr latinLnBrk="1"/>
+                      <a:endParaRPr lang="ko-KR" altLang="en-US" dirty="0"/>
+                    </a:p>
+                  </a:txBody>
+                  <a:tcPr/>
+                </a:tc>
+                <a:extLst>
+                  <a:ext uri="{0D108BD9-81ED-4DB2-BD59-A6C34878D82A}">
+                    <a16:rowId xmlns:a16="http://schemas.microsoft.com/office/drawing/2014/main" val="695632810"/>
+                  </a:ext>
+                </a:extLst>
+              </a:tr>
+              <a:tr h="374685">
+                <a:tc>
+                  <a:txBody>
+                    <a:bodyPr/>
+                    <a:lstStyle/>
+                    <a:p>
+                      <a:pPr latinLnBrk="1"/>
+                      <a:endParaRPr lang="ko-KR" altLang="en-US" dirty="0"/>
+                    </a:p>
+                  </a:txBody>
+                  <a:tcPr/>
+                </a:tc>
+                <a:extLst>
+                  <a:ext uri="{0D108BD9-81ED-4DB2-BD59-A6C34878D82A}">
+                    <a16:rowId xmlns:a16="http://schemas.microsoft.com/office/drawing/2014/main" val="181488195"/>
+                  </a:ext>
+                </a:extLst>
+              </a:tr>
+            </a:tbl>
+          </a:graphicData>
+        </a:graphic>
+      </p:graphicFrame>
+      <p:sp>
+        <p:nvSpPr>
+          <p:cNvPr id="16" name="TextBox 15">
+            <a:extLst>
+              <a:ext uri="{FF2B5EF4-FFF2-40B4-BE49-F238E27FC236}">
+                <a16:creationId xmlns:a16="http://schemas.microsoft.com/office/drawing/2014/main" id="{6EB6065D-AA2D-455A-9F5D-60C10AF5A587}"/>
+              </a:ext>
+            </a:extLst>
+          </p:cNvPr>
+          <p:cNvSpPr txBox="1"/>
+          <p:nvPr/>
+        </p:nvSpPr>
+        <p:spPr>
+          <a:xfrm>
+            <a:off x="9162490" y="1305314"/>
+            <a:ext cx="1663908" cy="369332"/>
+          </a:xfrm>
+          <a:prstGeom prst="rect">
+            <a:avLst/>
+          </a:prstGeom>
+          <a:noFill/>
+        </p:spPr>
+        <p:txBody>
+          <a:bodyPr wrap="square" rtlCol="0">
+            <a:spAutoFit/>
+          </a:bodyPr>
+          <a:lstStyle/>
+          <a:p>
+            <a:r>
+              <a:rPr lang="ko-KR" altLang="en-US" dirty="0" err="1"/>
+              <a:t>ㅇㅇ</a:t>
+            </a:r>
+            <a:r>
+              <a:rPr lang="ko-KR" altLang="en-US" dirty="0"/>
+              <a:t> 님 </a:t>
+            </a:r>
+            <a:r>
+              <a:rPr lang="en-US" altLang="ko-KR" dirty="0"/>
+              <a:t>&gt;</a:t>
+            </a:r>
+            <a:endParaRPr lang="ko-KR" altLang="en-US" dirty="0"/>
+          </a:p>
+        </p:txBody>
+      </p:sp>
+      <p:sp>
+        <p:nvSpPr>
+          <p:cNvPr id="17" name="직사각형 16">
+            <a:extLst>
+              <a:ext uri="{FF2B5EF4-FFF2-40B4-BE49-F238E27FC236}">
+                <a16:creationId xmlns:a16="http://schemas.microsoft.com/office/drawing/2014/main" id="{37AD6A40-FC17-4D87-A81C-A58E5F5D844D}"/>
+              </a:ext>
+            </a:extLst>
+          </p:cNvPr>
+          <p:cNvSpPr/>
+          <p:nvPr/>
+        </p:nvSpPr>
+        <p:spPr>
+          <a:xfrm>
+            <a:off x="9249619" y="5037669"/>
+            <a:ext cx="1071396" cy="505102"/>
+          </a:xfrm>
+          <a:prstGeom prst="rect">
+            <a:avLst/>
+          </a:prstGeom>
+          <a:solidFill>
+            <a:schemeClr val="bg2">
+              <a:lumMod val="90000"/>
+            </a:schemeClr>
+          </a:solidFill>
+          <a:ln>
+            <a:noFill/>
+          </a:ln>
+        </p:spPr>
+        <p:style>
+          <a:lnRef idx="2">
+            <a:schemeClr val="accent1">
+              <a:shade val="50000"/>
+            </a:schemeClr>
+          </a:lnRef>
+          <a:fillRef idx="1">
+            <a:schemeClr val="accent1"/>
+          </a:fillRef>
+          <a:effectRef idx="0">
+            <a:schemeClr val="accent1"/>
+          </a:effectRef>
+          <a:fontRef idx="minor">
+            <a:schemeClr val="lt1"/>
+          </a:fontRef>
+        </p:style>
+        <p:txBody>
+          <a:bodyPr rtlCol="0" anchor="ctr"/>
+          <a:lstStyle/>
+          <a:p>
+            <a:pPr algn="ctr"/>
+            <a:r>
+              <a:rPr lang="ko-KR" altLang="en-US" dirty="0">
+                <a:solidFill>
+                  <a:schemeClr val="tx1"/>
+                </a:solidFill>
+              </a:rPr>
+              <a:t>수정</a:t>
+            </a:r>
+            <a:endParaRPr lang="en-US" altLang="ko-KR" dirty="0">
+              <a:solidFill>
+                <a:schemeClr val="tx1"/>
+              </a:solidFill>
+            </a:endParaRPr>
+          </a:p>
+        </p:txBody>
+      </p:sp>
+      <p:sp>
+        <p:nvSpPr>
+          <p:cNvPr id="18" name="직사각형 17">
+            <a:extLst>
+              <a:ext uri="{FF2B5EF4-FFF2-40B4-BE49-F238E27FC236}">
+                <a16:creationId xmlns:a16="http://schemas.microsoft.com/office/drawing/2014/main" id="{241F40EC-446E-479E-94E7-CD4D244FB731}"/>
+              </a:ext>
+            </a:extLst>
+          </p:cNvPr>
+          <p:cNvSpPr/>
+          <p:nvPr/>
+        </p:nvSpPr>
+        <p:spPr>
+          <a:xfrm>
+            <a:off x="1870985" y="5010416"/>
+            <a:ext cx="1071396" cy="505102"/>
+          </a:xfrm>
+          <a:prstGeom prst="rect">
+            <a:avLst/>
+          </a:prstGeom>
+          <a:solidFill>
+            <a:schemeClr val="bg2">
+              <a:lumMod val="90000"/>
+            </a:schemeClr>
+          </a:solidFill>
+          <a:ln>
+            <a:noFill/>
+          </a:ln>
+        </p:spPr>
+        <p:style>
+          <a:lnRef idx="2">
+            <a:schemeClr val="accent1">
+              <a:shade val="50000"/>
+            </a:schemeClr>
+          </a:lnRef>
+          <a:fillRef idx="1">
+            <a:schemeClr val="accent1"/>
+          </a:fillRef>
+          <a:effectRef idx="0">
+            <a:schemeClr val="accent1"/>
+          </a:effectRef>
+          <a:fontRef idx="minor">
+            <a:schemeClr val="lt1"/>
+          </a:fontRef>
+        </p:style>
+        <p:txBody>
+          <a:bodyPr rtlCol="0" anchor="ctr"/>
+          <a:lstStyle/>
+          <a:p>
+            <a:pPr algn="ctr"/>
+            <a:r>
+              <a:rPr lang="ko-KR" altLang="en-US" dirty="0">
+                <a:solidFill>
+                  <a:schemeClr val="tx1"/>
+                </a:solidFill>
+              </a:rPr>
+              <a:t>삭제</a:t>
+            </a:r>
+            <a:endParaRPr lang="en-US" altLang="ko-KR" dirty="0">
+              <a:solidFill>
+                <a:schemeClr val="tx1"/>
+              </a:solidFill>
+            </a:endParaRPr>
+          </a:p>
+        </p:txBody>
+      </p:sp>
+    </p:spTree>
+    <p:extLst>
+      <p:ext uri="{BB962C8B-B14F-4D97-AF65-F5344CB8AC3E}">
+        <p14:creationId xmlns:p14="http://schemas.microsoft.com/office/powerpoint/2010/main" val="3740372659"/>
+      </p:ext>
+    </p:extLst>
+  </p:cSld>
+  <p:clrMapOvr>
+    <a:masterClrMapping/>
+  </p:clrMapOvr>
+</p:sld>
+</file>
+
+<file path=ppt/slides/slide9.xml><?xml version="1.0" encoding="utf-8"?>
+<p:sld xmlns:a="http://schemas.openxmlformats.org/drawingml/2006/main" xmlns:r="http://schemas.openxmlformats.org/officeDocument/2006/relationships" xmlns:p="http://schemas.openxmlformats.org/presentationml/2006/main">
+  <p:cSld>
+    <p:spTree>
+      <p:nvGrpSpPr>
+        <p:cNvPr id="1" name=""/>
+        <p:cNvGrpSpPr/>
+        <p:nvPr/>
+      </p:nvGrpSpPr>
+      <p:grpSpPr>
+        <a:xfrm>
+          <a:off x="0" y="0"/>
+          <a:ext cx="0" cy="0"/>
+          <a:chOff x="0" y="0"/>
+          <a:chExt cx="0" cy="0"/>
+        </a:xfrm>
+      </p:grpSpPr>
+      <p:grpSp>
+        <p:nvGrpSpPr>
+          <p:cNvPr id="4" name="그룹 3">
+            <a:extLst>
+              <a:ext uri="{FF2B5EF4-FFF2-40B4-BE49-F238E27FC236}">
                 <a16:creationId xmlns:a16="http://schemas.microsoft.com/office/drawing/2014/main" id="{C086F15E-6E29-4475-9E6C-338A0C9ABA33}"/>
               </a:ext>
             </a:extLst>
@@ -12227,942 +14834,6 @@
     <p:extLst>
       <p:ext uri="{BB962C8B-B14F-4D97-AF65-F5344CB8AC3E}">
         <p14:creationId xmlns:p14="http://schemas.microsoft.com/office/powerpoint/2010/main" val="1655432135"/>
-      </p:ext>
-    </p:extLst>
-  </p:cSld>
-  <p:clrMapOvr>
-    <a:masterClrMapping/>
-  </p:clrMapOvr>
-</p:sld>
-</file>
-
-<file path=ppt/slides/slide9.xml><?xml version="1.0" encoding="utf-8"?>
-<p:sld xmlns:a="http://schemas.openxmlformats.org/drawingml/2006/main" xmlns:r="http://schemas.openxmlformats.org/officeDocument/2006/relationships" xmlns:p="http://schemas.openxmlformats.org/presentationml/2006/main">
-  <p:cSld>
-    <p:spTree>
-      <p:nvGrpSpPr>
-        <p:cNvPr id="1" name=""/>
-        <p:cNvGrpSpPr/>
-        <p:nvPr/>
-      </p:nvGrpSpPr>
-      <p:grpSpPr>
-        <a:xfrm>
-          <a:off x="0" y="0"/>
-          <a:ext cx="0" cy="0"/>
-          <a:chOff x="0" y="0"/>
-          <a:chExt cx="0" cy="0"/>
-        </a:xfrm>
-      </p:grpSpPr>
-      <p:grpSp>
-        <p:nvGrpSpPr>
-          <p:cNvPr id="4" name="그룹 3">
-            <a:extLst>
-              <a:ext uri="{FF2B5EF4-FFF2-40B4-BE49-F238E27FC236}">
-                <a16:creationId xmlns:a16="http://schemas.microsoft.com/office/drawing/2014/main" id="{4EA55269-BC47-4EE6-91DA-4CE22A1C07C8}"/>
-              </a:ext>
-            </a:extLst>
-          </p:cNvPr>
-          <p:cNvGrpSpPr/>
-          <p:nvPr/>
-        </p:nvGrpSpPr>
-        <p:grpSpPr>
-          <a:xfrm>
-            <a:off x="1066800" y="702129"/>
-            <a:ext cx="10058400" cy="5029200"/>
-            <a:chOff x="1175657" y="702129"/>
-            <a:chExt cx="10058400" cy="5029200"/>
-          </a:xfrm>
-        </p:grpSpPr>
-        <p:sp>
-          <p:nvSpPr>
-            <p:cNvPr id="5" name="직사각형 4">
-              <a:extLst>
-                <a:ext uri="{FF2B5EF4-FFF2-40B4-BE49-F238E27FC236}">
-                  <a16:creationId xmlns:a16="http://schemas.microsoft.com/office/drawing/2014/main" id="{5F4C9F58-2551-4388-9C33-2290F33743E2}"/>
-                </a:ext>
-              </a:extLst>
-            </p:cNvPr>
-            <p:cNvSpPr/>
-            <p:nvPr/>
-          </p:nvSpPr>
-          <p:spPr>
-            <a:xfrm>
-              <a:off x="1175657" y="734786"/>
-              <a:ext cx="10058400" cy="4996543"/>
-            </a:xfrm>
-            <a:prstGeom prst="rect">
-              <a:avLst/>
-            </a:prstGeom>
-            <a:solidFill>
-              <a:schemeClr val="bg1">
-                <a:lumMod val="95000"/>
-              </a:schemeClr>
-            </a:solidFill>
-            <a:ln w="57150">
-              <a:solidFill>
-                <a:schemeClr val="bg1">
-                  <a:lumMod val="85000"/>
-                </a:schemeClr>
-              </a:solidFill>
-            </a:ln>
-          </p:spPr>
-          <p:style>
-            <a:lnRef idx="2">
-              <a:schemeClr val="accent1">
-                <a:shade val="50000"/>
-              </a:schemeClr>
-            </a:lnRef>
-            <a:fillRef idx="1">
-              <a:schemeClr val="accent1"/>
-            </a:fillRef>
-            <a:effectRef idx="0">
-              <a:schemeClr val="accent1"/>
-            </a:effectRef>
-            <a:fontRef idx="minor">
-              <a:schemeClr val="lt1"/>
-            </a:fontRef>
-          </p:style>
-          <p:txBody>
-            <a:bodyPr rtlCol="0" anchor="ctr"/>
-            <a:lstStyle/>
-            <a:p>
-              <a:pPr algn="ctr"/>
-              <a:endParaRPr lang="ko-KR" altLang="en-US"/>
-            </a:p>
-          </p:txBody>
-        </p:sp>
-        <p:sp>
-          <p:nvSpPr>
-            <p:cNvPr id="6" name="직사각형 5">
-              <a:extLst>
-                <a:ext uri="{FF2B5EF4-FFF2-40B4-BE49-F238E27FC236}">
-                  <a16:creationId xmlns:a16="http://schemas.microsoft.com/office/drawing/2014/main" id="{6208ACA3-FA00-4384-9FF2-CC16036AE07A}"/>
-                </a:ext>
-              </a:extLst>
-            </p:cNvPr>
-            <p:cNvSpPr/>
-            <p:nvPr/>
-          </p:nvSpPr>
-          <p:spPr>
-            <a:xfrm>
-              <a:off x="1175657" y="734786"/>
-              <a:ext cx="10058400" cy="522514"/>
-            </a:xfrm>
-            <a:prstGeom prst="rect">
-              <a:avLst/>
-            </a:prstGeom>
-            <a:solidFill>
-              <a:schemeClr val="bg2">
-                <a:lumMod val="75000"/>
-              </a:schemeClr>
-            </a:solidFill>
-            <a:ln>
-              <a:noFill/>
-            </a:ln>
-          </p:spPr>
-          <p:style>
-            <a:lnRef idx="2">
-              <a:schemeClr val="accent1">
-                <a:shade val="50000"/>
-              </a:schemeClr>
-            </a:lnRef>
-            <a:fillRef idx="1">
-              <a:schemeClr val="accent1"/>
-            </a:fillRef>
-            <a:effectRef idx="0">
-              <a:schemeClr val="accent1"/>
-            </a:effectRef>
-            <a:fontRef idx="minor">
-              <a:schemeClr val="lt1"/>
-            </a:fontRef>
-          </p:style>
-          <p:txBody>
-            <a:bodyPr rtlCol="0" anchor="ctr"/>
-            <a:lstStyle/>
-            <a:p>
-              <a:pPr algn="ctr"/>
-              <a:endParaRPr lang="ko-KR" altLang="en-US"/>
-            </a:p>
-          </p:txBody>
-        </p:sp>
-        <p:sp>
-          <p:nvSpPr>
-            <p:cNvPr id="7" name="직사각형 6">
-              <a:extLst>
-                <a:ext uri="{FF2B5EF4-FFF2-40B4-BE49-F238E27FC236}">
-                  <a16:creationId xmlns:a16="http://schemas.microsoft.com/office/drawing/2014/main" id="{D4E37784-7116-4E97-B2FB-86F3982D7D0F}"/>
-                </a:ext>
-              </a:extLst>
-            </p:cNvPr>
-            <p:cNvSpPr/>
-            <p:nvPr/>
-          </p:nvSpPr>
-          <p:spPr>
-            <a:xfrm>
-              <a:off x="1306285" y="800099"/>
-              <a:ext cx="326571" cy="326572"/>
-            </a:xfrm>
-            <a:prstGeom prst="rect">
-              <a:avLst/>
-            </a:prstGeom>
-            <a:solidFill>
-              <a:schemeClr val="bg1">
-                <a:lumMod val="95000"/>
-              </a:schemeClr>
-            </a:solidFill>
-            <a:ln>
-              <a:noFill/>
-            </a:ln>
-          </p:spPr>
-          <p:style>
-            <a:lnRef idx="2">
-              <a:schemeClr val="accent1">
-                <a:shade val="50000"/>
-              </a:schemeClr>
-            </a:lnRef>
-            <a:fillRef idx="1">
-              <a:schemeClr val="accent1"/>
-            </a:fillRef>
-            <a:effectRef idx="0">
-              <a:schemeClr val="accent1"/>
-            </a:effectRef>
-            <a:fontRef idx="minor">
-              <a:schemeClr val="lt1"/>
-            </a:fontRef>
-          </p:style>
-          <p:txBody>
-            <a:bodyPr rtlCol="0" anchor="ctr"/>
-            <a:lstStyle/>
-            <a:p>
-              <a:pPr algn="ctr"/>
-              <a:endParaRPr lang="ko-KR" altLang="en-US"/>
-            </a:p>
-          </p:txBody>
-        </p:sp>
-        <p:sp>
-          <p:nvSpPr>
-            <p:cNvPr id="8" name="직사각형 7">
-              <a:extLst>
-                <a:ext uri="{FF2B5EF4-FFF2-40B4-BE49-F238E27FC236}">
-                  <a16:creationId xmlns:a16="http://schemas.microsoft.com/office/drawing/2014/main" id="{02401952-5722-41A5-802D-067B7C951B60}"/>
-                </a:ext>
-              </a:extLst>
-            </p:cNvPr>
-            <p:cNvSpPr/>
-            <p:nvPr/>
-          </p:nvSpPr>
-          <p:spPr>
-            <a:xfrm>
-              <a:off x="8972546" y="967466"/>
-              <a:ext cx="465368" cy="57153"/>
-            </a:xfrm>
-            <a:prstGeom prst="rect">
-              <a:avLst/>
-            </a:prstGeom>
-            <a:solidFill>
-              <a:schemeClr val="bg1">
-                <a:lumMod val="95000"/>
-              </a:schemeClr>
-            </a:solidFill>
-            <a:ln>
-              <a:noFill/>
-            </a:ln>
-          </p:spPr>
-          <p:style>
-            <a:lnRef idx="2">
-              <a:schemeClr val="accent1">
-                <a:shade val="50000"/>
-              </a:schemeClr>
-            </a:lnRef>
-            <a:fillRef idx="1">
-              <a:schemeClr val="accent1"/>
-            </a:fillRef>
-            <a:effectRef idx="0">
-              <a:schemeClr val="accent1"/>
-            </a:effectRef>
-            <a:fontRef idx="minor">
-              <a:schemeClr val="lt1"/>
-            </a:fontRef>
-          </p:style>
-          <p:txBody>
-            <a:bodyPr rtlCol="0" anchor="ctr"/>
-            <a:lstStyle/>
-            <a:p>
-              <a:pPr algn="ctr"/>
-              <a:endParaRPr lang="ko-KR" altLang="en-US"/>
-            </a:p>
-          </p:txBody>
-        </p:sp>
-        <p:sp>
-          <p:nvSpPr>
-            <p:cNvPr id="9" name="직사각형 8">
-              <a:extLst>
-                <a:ext uri="{FF2B5EF4-FFF2-40B4-BE49-F238E27FC236}">
-                  <a16:creationId xmlns:a16="http://schemas.microsoft.com/office/drawing/2014/main" id="{699E929B-9815-46DF-A707-1597D3C72D61}"/>
-                </a:ext>
-              </a:extLst>
-            </p:cNvPr>
-            <p:cNvSpPr/>
-            <p:nvPr/>
-          </p:nvSpPr>
-          <p:spPr>
-            <a:xfrm>
-              <a:off x="9915523" y="800099"/>
-              <a:ext cx="375557" cy="310243"/>
-            </a:xfrm>
-            <a:prstGeom prst="rect">
-              <a:avLst/>
-            </a:prstGeom>
-            <a:solidFill>
-              <a:schemeClr val="bg2"/>
-            </a:solidFill>
-            <a:ln>
-              <a:solidFill>
-                <a:schemeClr val="bg2">
-                  <a:lumMod val="75000"/>
-                </a:schemeClr>
-              </a:solidFill>
-            </a:ln>
-          </p:spPr>
-          <p:style>
-            <a:lnRef idx="2">
-              <a:schemeClr val="accent1">
-                <a:shade val="50000"/>
-              </a:schemeClr>
-            </a:lnRef>
-            <a:fillRef idx="1">
-              <a:schemeClr val="accent1"/>
-            </a:fillRef>
-            <a:effectRef idx="0">
-              <a:schemeClr val="accent1"/>
-            </a:effectRef>
-            <a:fontRef idx="minor">
-              <a:schemeClr val="lt1"/>
-            </a:fontRef>
-          </p:style>
-          <p:txBody>
-            <a:bodyPr rtlCol="0" anchor="ctr"/>
-            <a:lstStyle/>
-            <a:p>
-              <a:pPr algn="ctr"/>
-              <a:endParaRPr lang="ko-KR" altLang="en-US"/>
-            </a:p>
-          </p:txBody>
-        </p:sp>
-        <p:sp>
-          <p:nvSpPr>
-            <p:cNvPr id="10" name="직사각형 9">
-              <a:extLst>
-                <a:ext uri="{FF2B5EF4-FFF2-40B4-BE49-F238E27FC236}">
-                  <a16:creationId xmlns:a16="http://schemas.microsoft.com/office/drawing/2014/main" id="{8FF61FB0-58F1-4E4C-AC39-B6B0C39B6AA1}"/>
-                </a:ext>
-              </a:extLst>
-            </p:cNvPr>
-            <p:cNvSpPr/>
-            <p:nvPr/>
-          </p:nvSpPr>
-          <p:spPr>
-            <a:xfrm>
-              <a:off x="9776731" y="906233"/>
-              <a:ext cx="326571" cy="277587"/>
-            </a:xfrm>
-            <a:prstGeom prst="rect">
-              <a:avLst/>
-            </a:prstGeom>
-            <a:solidFill>
-              <a:schemeClr val="bg2"/>
-            </a:solidFill>
-            <a:ln>
-              <a:solidFill>
-                <a:schemeClr val="bg2">
-                  <a:lumMod val="75000"/>
-                </a:schemeClr>
-              </a:solidFill>
-            </a:ln>
-          </p:spPr>
-          <p:style>
-            <a:lnRef idx="2">
-              <a:schemeClr val="accent1">
-                <a:shade val="50000"/>
-              </a:schemeClr>
-            </a:lnRef>
-            <a:fillRef idx="1">
-              <a:schemeClr val="accent1"/>
-            </a:fillRef>
-            <a:effectRef idx="0">
-              <a:schemeClr val="accent1"/>
-            </a:effectRef>
-            <a:fontRef idx="minor">
-              <a:schemeClr val="lt1"/>
-            </a:fontRef>
-          </p:style>
-          <p:txBody>
-            <a:bodyPr rtlCol="0" anchor="ctr"/>
-            <a:lstStyle/>
-            <a:p>
-              <a:pPr algn="ctr"/>
-              <a:endParaRPr lang="ko-KR" altLang="en-US"/>
-            </a:p>
-          </p:txBody>
-        </p:sp>
-        <p:sp>
-          <p:nvSpPr>
-            <p:cNvPr id="11" name="곱하기 기호 10">
-              <a:extLst>
-                <a:ext uri="{FF2B5EF4-FFF2-40B4-BE49-F238E27FC236}">
-                  <a16:creationId xmlns:a16="http://schemas.microsoft.com/office/drawing/2014/main" id="{AC888585-924F-4379-90EC-FF98E92EF333}"/>
-                </a:ext>
-              </a:extLst>
-            </p:cNvPr>
-            <p:cNvSpPr/>
-            <p:nvPr/>
-          </p:nvSpPr>
-          <p:spPr>
-            <a:xfrm>
-              <a:off x="10429872" y="702129"/>
-              <a:ext cx="604157" cy="555171"/>
-            </a:xfrm>
-            <a:prstGeom prst="mathMultiply">
-              <a:avLst>
-                <a:gd name="adj1" fmla="val 11755"/>
-              </a:avLst>
-            </a:prstGeom>
-            <a:solidFill>
-              <a:schemeClr val="bg2"/>
-            </a:solidFill>
-            <a:ln>
-              <a:solidFill>
-                <a:schemeClr val="accent3"/>
-              </a:solidFill>
-            </a:ln>
-          </p:spPr>
-          <p:style>
-            <a:lnRef idx="2">
-              <a:schemeClr val="accent1">
-                <a:shade val="50000"/>
-              </a:schemeClr>
-            </a:lnRef>
-            <a:fillRef idx="1">
-              <a:schemeClr val="accent1"/>
-            </a:fillRef>
-            <a:effectRef idx="0">
-              <a:schemeClr val="accent1"/>
-            </a:effectRef>
-            <a:fontRef idx="minor">
-              <a:schemeClr val="lt1"/>
-            </a:fontRef>
-          </p:style>
-          <p:txBody>
-            <a:bodyPr rtlCol="0" anchor="ctr"/>
-            <a:lstStyle/>
-            <a:p>
-              <a:pPr algn="ctr"/>
-              <a:endParaRPr lang="ko-KR" altLang="en-US" dirty="0"/>
-            </a:p>
-          </p:txBody>
-        </p:sp>
-      </p:grpSp>
-      <p:sp>
-        <p:nvSpPr>
-          <p:cNvPr id="12" name="TextBox 11">
-            <a:extLst>
-              <a:ext uri="{FF2B5EF4-FFF2-40B4-BE49-F238E27FC236}">
-                <a16:creationId xmlns:a16="http://schemas.microsoft.com/office/drawing/2014/main" id="{B13AA8C8-F107-4FFB-A89D-B59C0BEE03BC}"/>
-              </a:ext>
-            </a:extLst>
-          </p:cNvPr>
-          <p:cNvSpPr txBox="1"/>
-          <p:nvPr/>
-        </p:nvSpPr>
-        <p:spPr>
-          <a:xfrm>
-            <a:off x="1700892" y="814488"/>
-            <a:ext cx="3230872" cy="369332"/>
-          </a:xfrm>
-          <a:prstGeom prst="rect">
-            <a:avLst/>
-          </a:prstGeom>
-          <a:noFill/>
-        </p:spPr>
-        <p:txBody>
-          <a:bodyPr wrap="square" rtlCol="0">
-            <a:spAutoFit/>
-          </a:bodyPr>
-          <a:lstStyle/>
-          <a:p>
-            <a:r>
-              <a:rPr lang="ko-KR" altLang="en-US"/>
-              <a:t>판매 완료된 상품 내역 조회</a:t>
-            </a:r>
-            <a:endParaRPr lang="ko-KR" altLang="en-US" dirty="0"/>
-          </a:p>
-        </p:txBody>
-      </p:sp>
-      <p:sp>
-        <p:nvSpPr>
-          <p:cNvPr id="13" name="직사각형 12">
-            <a:extLst>
-              <a:ext uri="{FF2B5EF4-FFF2-40B4-BE49-F238E27FC236}">
-                <a16:creationId xmlns:a16="http://schemas.microsoft.com/office/drawing/2014/main" id="{3569B209-C8AA-4A7C-B47D-361E6684AE74}"/>
-              </a:ext>
-            </a:extLst>
-          </p:cNvPr>
-          <p:cNvSpPr/>
-          <p:nvPr/>
-        </p:nvSpPr>
-        <p:spPr>
-          <a:xfrm>
-            <a:off x="2016439" y="1707303"/>
-            <a:ext cx="8143561" cy="3076107"/>
-          </a:xfrm>
-          <a:prstGeom prst="rect">
-            <a:avLst/>
-          </a:prstGeom>
-          <a:solidFill>
-            <a:schemeClr val="bg1"/>
-          </a:solidFill>
-          <a:ln>
-            <a:solidFill>
-              <a:schemeClr val="bg2">
-                <a:lumMod val="75000"/>
-              </a:schemeClr>
-            </a:solidFill>
-          </a:ln>
-        </p:spPr>
-        <p:style>
-          <a:lnRef idx="2">
-            <a:schemeClr val="accent1">
-              <a:shade val="50000"/>
-            </a:schemeClr>
-          </a:lnRef>
-          <a:fillRef idx="1">
-            <a:schemeClr val="accent1"/>
-          </a:fillRef>
-          <a:effectRef idx="0">
-            <a:schemeClr val="accent1"/>
-          </a:effectRef>
-          <a:fontRef idx="minor">
-            <a:schemeClr val="lt1"/>
-          </a:fontRef>
-        </p:style>
-        <p:txBody>
-          <a:bodyPr rtlCol="0" anchor="ctr"/>
-          <a:lstStyle/>
-          <a:p>
-            <a:pPr algn="ctr"/>
-            <a:endParaRPr lang="ko-KR" altLang="en-US"/>
-          </a:p>
-        </p:txBody>
-      </p:sp>
-      <p:graphicFrame>
-        <p:nvGraphicFramePr>
-          <p:cNvPr id="14" name="표 24">
-            <a:extLst>
-              <a:ext uri="{FF2B5EF4-FFF2-40B4-BE49-F238E27FC236}">
-                <a16:creationId xmlns:a16="http://schemas.microsoft.com/office/drawing/2014/main" id="{C27502F6-7CB8-4FDD-95D6-2F3C4E7D5816}"/>
-              </a:ext>
-            </a:extLst>
-          </p:cNvPr>
-          <p:cNvGraphicFramePr>
-            <a:graphicFrameLocks noGrp="1"/>
-          </p:cNvGraphicFramePr>
-          <p:nvPr>
-            <p:extLst>
-              <p:ext uri="{D42A27DB-BD31-4B8C-83A1-F6EECF244321}">
-                <p14:modId xmlns:p14="http://schemas.microsoft.com/office/powerpoint/2010/main" val="1631076281"/>
-              </p:ext>
-            </p:extLst>
-          </p:nvPr>
-        </p:nvGraphicFramePr>
-        <p:xfrm>
-          <a:off x="2031999" y="1707303"/>
-          <a:ext cx="8128000" cy="370840"/>
-        </p:xfrm>
-        <a:graphic>
-          <a:graphicData uri="http://schemas.openxmlformats.org/drawingml/2006/table">
-            <a:tbl>
-              <a:tblPr bandRow="1">
-                <a:tableStyleId>{073A0DAA-6AF3-43AB-8588-CEC1D06C72B9}</a:tableStyleId>
-              </a:tblPr>
-              <a:tblGrid>
-                <a:gridCol w="1625600">
-                  <a:extLst>
-                    <a:ext uri="{9D8B030D-6E8A-4147-A177-3AD203B41FA5}">
-                      <a16:colId xmlns:a16="http://schemas.microsoft.com/office/drawing/2014/main" val="2791206235"/>
-                    </a:ext>
-                  </a:extLst>
-                </a:gridCol>
-                <a:gridCol w="1625600">
-                  <a:extLst>
-                    <a:ext uri="{9D8B030D-6E8A-4147-A177-3AD203B41FA5}">
-                      <a16:colId xmlns:a16="http://schemas.microsoft.com/office/drawing/2014/main" val="694947750"/>
-                    </a:ext>
-                  </a:extLst>
-                </a:gridCol>
-                <a:gridCol w="1625600">
-                  <a:extLst>
-                    <a:ext uri="{9D8B030D-6E8A-4147-A177-3AD203B41FA5}">
-                      <a16:colId xmlns:a16="http://schemas.microsoft.com/office/drawing/2014/main" val="1987637732"/>
-                    </a:ext>
-                  </a:extLst>
-                </a:gridCol>
-                <a:gridCol w="1625600">
-                  <a:extLst>
-                    <a:ext uri="{9D8B030D-6E8A-4147-A177-3AD203B41FA5}">
-                      <a16:colId xmlns:a16="http://schemas.microsoft.com/office/drawing/2014/main" val="1529796229"/>
-                    </a:ext>
-                  </a:extLst>
-                </a:gridCol>
-                <a:gridCol w="1625600">
-                  <a:extLst>
-                    <a:ext uri="{9D8B030D-6E8A-4147-A177-3AD203B41FA5}">
-                      <a16:colId xmlns:a16="http://schemas.microsoft.com/office/drawing/2014/main" val="4196241945"/>
-                    </a:ext>
-                  </a:extLst>
-                </a:gridCol>
-              </a:tblGrid>
-              <a:tr h="370840">
-                <a:tc>
-                  <a:txBody>
-                    <a:bodyPr/>
-                    <a:lstStyle/>
-                    <a:p>
-                      <a:pPr latinLnBrk="1"/>
-                      <a:r>
-                        <a:rPr lang="ko-KR" altLang="en-US" sz="1500" dirty="0"/>
-                        <a:t>상품명</a:t>
-                      </a:r>
-                    </a:p>
-                  </a:txBody>
-                  <a:tcPr/>
-                </a:tc>
-                <a:tc>
-                  <a:txBody>
-                    <a:bodyPr/>
-                    <a:lstStyle/>
-                    <a:p>
-                      <a:pPr latinLnBrk="1"/>
-                      <a:r>
-                        <a:rPr lang="ko-KR" altLang="en-US" sz="1500" dirty="0"/>
-                        <a:t>제작회사명</a:t>
-                      </a:r>
-                    </a:p>
-                  </a:txBody>
-                  <a:tcPr/>
-                </a:tc>
-                <a:tc>
-                  <a:txBody>
-                    <a:bodyPr/>
-                    <a:lstStyle/>
-                    <a:p>
-                      <a:pPr latinLnBrk="1"/>
-                      <a:r>
-                        <a:rPr lang="ko-KR" altLang="en-US" sz="1500" dirty="0"/>
-                        <a:t>가격</a:t>
-                      </a:r>
-                    </a:p>
-                  </a:txBody>
-                  <a:tcPr/>
-                </a:tc>
-                <a:tc>
-                  <a:txBody>
-                    <a:bodyPr/>
-                    <a:lstStyle/>
-                    <a:p>
-                      <a:pPr latinLnBrk="1"/>
-                      <a:r>
-                        <a:rPr lang="ko-KR" altLang="en-US" sz="1500" dirty="0"/>
-                        <a:t>판매</a:t>
-                      </a:r>
-                      <a:r>
-                        <a:rPr lang="en-US" altLang="ko-KR" sz="1500" dirty="0"/>
-                        <a:t> </a:t>
-                      </a:r>
-                      <a:r>
-                        <a:rPr lang="ko-KR" altLang="en-US" sz="1500" dirty="0"/>
-                        <a:t>수량</a:t>
-                      </a:r>
-                    </a:p>
-                  </a:txBody>
-                  <a:tcPr/>
-                </a:tc>
-                <a:tc>
-                  <a:txBody>
-                    <a:bodyPr/>
-                    <a:lstStyle/>
-                    <a:p>
-                      <a:pPr latinLnBrk="1"/>
-                      <a:r>
-                        <a:rPr lang="ko-KR" altLang="en-US" sz="1500" dirty="0"/>
-                        <a:t>평균만족도</a:t>
-                      </a:r>
-                    </a:p>
-                  </a:txBody>
-                  <a:tcPr/>
-                </a:tc>
-                <a:extLst>
-                  <a:ext uri="{0D108BD9-81ED-4DB2-BD59-A6C34878D82A}">
-                    <a16:rowId xmlns:a16="http://schemas.microsoft.com/office/drawing/2014/main" val="2054603602"/>
-                  </a:ext>
-                </a:extLst>
-              </a:tr>
-            </a:tbl>
-          </a:graphicData>
-        </a:graphic>
-      </p:graphicFrame>
-      <p:graphicFrame>
-        <p:nvGraphicFramePr>
-          <p:cNvPr id="15" name="표 25">
-            <a:extLst>
-              <a:ext uri="{FF2B5EF4-FFF2-40B4-BE49-F238E27FC236}">
-                <a16:creationId xmlns:a16="http://schemas.microsoft.com/office/drawing/2014/main" id="{642A08DF-12E4-4EBD-B211-2B4994D3F41E}"/>
-              </a:ext>
-            </a:extLst>
-          </p:cNvPr>
-          <p:cNvGraphicFramePr>
-            <a:graphicFrameLocks noGrp="1"/>
-          </p:cNvGraphicFramePr>
-          <p:nvPr>
-            <p:extLst>
-              <p:ext uri="{D42A27DB-BD31-4B8C-83A1-F6EECF244321}">
-                <p14:modId xmlns:p14="http://schemas.microsoft.com/office/powerpoint/2010/main" val="275703680"/>
-              </p:ext>
-            </p:extLst>
-          </p:nvPr>
-        </p:nvGraphicFramePr>
-        <p:xfrm>
-          <a:off x="2031999" y="2078143"/>
-          <a:ext cx="8128000" cy="2770971"/>
-        </p:xfrm>
-        <a:graphic>
-          <a:graphicData uri="http://schemas.openxmlformats.org/drawingml/2006/table">
-            <a:tbl>
-              <a:tblPr bandRow="1" bandCol="1">
-                <a:tableStyleId>{1FECB4D8-DB02-4DC6-A0A2-4F2EBAE1DC90}</a:tableStyleId>
-              </a:tblPr>
-              <a:tblGrid>
-                <a:gridCol w="8128000">
-                  <a:extLst>
-                    <a:ext uri="{9D8B030D-6E8A-4147-A177-3AD203B41FA5}">
-                      <a16:colId xmlns:a16="http://schemas.microsoft.com/office/drawing/2014/main" val="1028336975"/>
-                    </a:ext>
-                  </a:extLst>
-                </a:gridCol>
-              </a:tblGrid>
-              <a:tr h="395853">
-                <a:tc>
-                  <a:txBody>
-                    <a:bodyPr/>
-                    <a:lstStyle/>
-                    <a:p>
-                      <a:pPr algn="l" latinLnBrk="1"/>
-                      <a:r>
-                        <a:rPr lang="ko-KR" altLang="en-US" dirty="0"/>
-                        <a:t>긴 바지          </a:t>
-                      </a:r>
-                      <a:r>
-                        <a:rPr lang="ko-KR" altLang="en-US" dirty="0" err="1"/>
-                        <a:t>ㅇㅇㅇ</a:t>
-                      </a:r>
-                      <a:r>
-                        <a:rPr lang="ko-KR" altLang="en-US" dirty="0"/>
-                        <a:t>            </a:t>
-                      </a:r>
-                      <a:r>
-                        <a:rPr lang="en-US" altLang="ko-KR" dirty="0"/>
-                        <a:t>50000             5                  7.4/10</a:t>
-                      </a:r>
-                      <a:endParaRPr lang="ko-KR" altLang="en-US" dirty="0"/>
-                    </a:p>
-                  </a:txBody>
-                  <a:tcPr/>
-                </a:tc>
-                <a:extLst>
-                  <a:ext uri="{0D108BD9-81ED-4DB2-BD59-A6C34878D82A}">
-                    <a16:rowId xmlns:a16="http://schemas.microsoft.com/office/drawing/2014/main" val="2451666235"/>
-                  </a:ext>
-                </a:extLst>
-              </a:tr>
-              <a:tr h="395853">
-                <a:tc>
-                  <a:txBody>
-                    <a:bodyPr/>
-                    <a:lstStyle/>
-                    <a:p>
-                      <a:pPr latinLnBrk="1"/>
-                      <a:r>
-                        <a:rPr lang="ko-KR" altLang="en-US" dirty="0"/>
-                        <a:t>한복              </a:t>
-                      </a:r>
-                      <a:r>
-                        <a:rPr lang="ko-KR" altLang="en-US" dirty="0" err="1"/>
-                        <a:t>ㄴㄴㄴ</a:t>
-                      </a:r>
-                      <a:r>
-                        <a:rPr lang="ko-KR" altLang="en-US" dirty="0"/>
-                        <a:t>            </a:t>
-                      </a:r>
-                      <a:r>
-                        <a:rPr lang="en-US" altLang="ko-KR" dirty="0"/>
-                        <a:t>60000             6                  8.0/10</a:t>
-                      </a:r>
-                      <a:endParaRPr lang="ko-KR" altLang="en-US" dirty="0"/>
-                    </a:p>
-                  </a:txBody>
-                  <a:tcPr/>
-                </a:tc>
-                <a:extLst>
-                  <a:ext uri="{0D108BD9-81ED-4DB2-BD59-A6C34878D82A}">
-                    <a16:rowId xmlns:a16="http://schemas.microsoft.com/office/drawing/2014/main" val="828867358"/>
-                  </a:ext>
-                </a:extLst>
-              </a:tr>
-              <a:tr h="395853">
-                <a:tc>
-                  <a:txBody>
-                    <a:bodyPr/>
-                    <a:lstStyle/>
-                    <a:p>
-                      <a:pPr latinLnBrk="1"/>
-                      <a:endParaRPr lang="ko-KR" altLang="en-US" dirty="0"/>
-                    </a:p>
-                  </a:txBody>
-                  <a:tcPr/>
-                </a:tc>
-                <a:extLst>
-                  <a:ext uri="{0D108BD9-81ED-4DB2-BD59-A6C34878D82A}">
-                    <a16:rowId xmlns:a16="http://schemas.microsoft.com/office/drawing/2014/main" val="2626992471"/>
-                  </a:ext>
-                </a:extLst>
-              </a:tr>
-              <a:tr h="395853">
-                <a:tc>
-                  <a:txBody>
-                    <a:bodyPr/>
-                    <a:lstStyle/>
-                    <a:p>
-                      <a:pPr latinLnBrk="1"/>
-                      <a:r>
-                        <a:rPr lang="en-US" altLang="ko-KR" dirty="0"/>
-                        <a:t> </a:t>
-                      </a:r>
-                      <a:endParaRPr lang="ko-KR" altLang="en-US" dirty="0"/>
-                    </a:p>
-                  </a:txBody>
-                  <a:tcPr/>
-                </a:tc>
-                <a:extLst>
-                  <a:ext uri="{0D108BD9-81ED-4DB2-BD59-A6C34878D82A}">
-                    <a16:rowId xmlns:a16="http://schemas.microsoft.com/office/drawing/2014/main" val="3290447992"/>
-                  </a:ext>
-                </a:extLst>
-              </a:tr>
-              <a:tr h="395853">
-                <a:tc>
-                  <a:txBody>
-                    <a:bodyPr/>
-                    <a:lstStyle/>
-                    <a:p>
-                      <a:pPr latinLnBrk="1"/>
-                      <a:endParaRPr lang="ko-KR" altLang="en-US" dirty="0"/>
-                    </a:p>
-                  </a:txBody>
-                  <a:tcPr/>
-                </a:tc>
-                <a:extLst>
-                  <a:ext uri="{0D108BD9-81ED-4DB2-BD59-A6C34878D82A}">
-                    <a16:rowId xmlns:a16="http://schemas.microsoft.com/office/drawing/2014/main" val="797954163"/>
-                  </a:ext>
-                </a:extLst>
-              </a:tr>
-              <a:tr h="395853">
-                <a:tc>
-                  <a:txBody>
-                    <a:bodyPr/>
-                    <a:lstStyle/>
-                    <a:p>
-                      <a:pPr latinLnBrk="1"/>
-                      <a:endParaRPr lang="ko-KR" altLang="en-US" dirty="0"/>
-                    </a:p>
-                  </a:txBody>
-                  <a:tcPr/>
-                </a:tc>
-                <a:extLst>
-                  <a:ext uri="{0D108BD9-81ED-4DB2-BD59-A6C34878D82A}">
-                    <a16:rowId xmlns:a16="http://schemas.microsoft.com/office/drawing/2014/main" val="695632810"/>
-                  </a:ext>
-                </a:extLst>
-              </a:tr>
-              <a:tr h="395853">
-                <a:tc>
-                  <a:txBody>
-                    <a:bodyPr/>
-                    <a:lstStyle/>
-                    <a:p>
-                      <a:pPr latinLnBrk="1"/>
-                      <a:endParaRPr lang="ko-KR" altLang="en-US" dirty="0"/>
-                    </a:p>
-                  </a:txBody>
-                  <a:tcPr/>
-                </a:tc>
-                <a:extLst>
-                  <a:ext uri="{0D108BD9-81ED-4DB2-BD59-A6C34878D82A}">
-                    <a16:rowId xmlns:a16="http://schemas.microsoft.com/office/drawing/2014/main" val="181488195"/>
-                  </a:ext>
-                </a:extLst>
-              </a:tr>
-            </a:tbl>
-          </a:graphicData>
-        </a:graphic>
-      </p:graphicFrame>
-      <p:sp>
-        <p:nvSpPr>
-          <p:cNvPr id="16" name="TextBox 15">
-            <a:extLst>
-              <a:ext uri="{FF2B5EF4-FFF2-40B4-BE49-F238E27FC236}">
-                <a16:creationId xmlns:a16="http://schemas.microsoft.com/office/drawing/2014/main" id="{0BC00322-FC1A-44D1-B3E1-EA6F110776EB}"/>
-              </a:ext>
-            </a:extLst>
-          </p:cNvPr>
-          <p:cNvSpPr txBox="1"/>
-          <p:nvPr/>
-        </p:nvSpPr>
-        <p:spPr>
-          <a:xfrm>
-            <a:off x="9162490" y="1305314"/>
-            <a:ext cx="1663908" cy="369332"/>
-          </a:xfrm>
-          <a:prstGeom prst="rect">
-            <a:avLst/>
-          </a:prstGeom>
-          <a:noFill/>
-        </p:spPr>
-        <p:txBody>
-          <a:bodyPr wrap="square" rtlCol="0">
-            <a:spAutoFit/>
-          </a:bodyPr>
-          <a:lstStyle/>
-          <a:p>
-            <a:r>
-              <a:rPr lang="ko-KR" altLang="en-US" dirty="0" err="1"/>
-              <a:t>ㅇㅇ</a:t>
-            </a:r>
-            <a:r>
-              <a:rPr lang="ko-KR" altLang="en-US" dirty="0"/>
-              <a:t> 님 </a:t>
-            </a:r>
-            <a:r>
-              <a:rPr lang="en-US" altLang="ko-KR" dirty="0"/>
-              <a:t>&gt;</a:t>
-            </a:r>
-            <a:endParaRPr lang="ko-KR" altLang="en-US" dirty="0"/>
-          </a:p>
-        </p:txBody>
-      </p:sp>
-    </p:spTree>
-    <p:extLst>
-      <p:ext uri="{BB962C8B-B14F-4D97-AF65-F5344CB8AC3E}">
-        <p14:creationId xmlns:p14="http://schemas.microsoft.com/office/powerpoint/2010/main" val="817140901"/>
       </p:ext>
     </p:extLst>
   </p:cSld>
